--- a/docs/BayesianOptimizationFigures.pptx
+++ b/docs/BayesianOptimizationFigures.pptx
@@ -3775,6 +3775,3247 @@
           </mc:Fallback>
         </mc:AlternateContent>
       </p:grpSp>
+      <p:grpSp>
+        <p:nvGrpSpPr>
+          <p:cNvPr id="21" name="Group 20">
+            <a:extLst>
+              <a:ext uri="{FF2B5EF4-FFF2-40B4-BE49-F238E27FC236}">
+                <a16:creationId xmlns:a16="http://schemas.microsoft.com/office/drawing/2014/main" id="{9713A8DE-86A0-C4CD-F74E-6C9E8D1840F4}"/>
+              </a:ext>
+            </a:extLst>
+          </p:cNvPr>
+          <p:cNvGrpSpPr/>
+          <p:nvPr/>
+        </p:nvGrpSpPr>
+        <p:grpSpPr>
+          <a:xfrm>
+            <a:off x="3633169" y="3388864"/>
+            <a:ext cx="3350474" cy="1507713"/>
+            <a:chOff x="3633169" y="3388864"/>
+            <a:chExt cx="3350474" cy="1507713"/>
+          </a:xfrm>
+        </p:grpSpPr>
+        <p:cxnSp>
+          <p:nvCxnSpPr>
+            <p:cNvPr id="13" name="Straight Connector 12">
+              <a:extLst>
+                <a:ext uri="{FF2B5EF4-FFF2-40B4-BE49-F238E27FC236}">
+                  <a16:creationId xmlns:a16="http://schemas.microsoft.com/office/drawing/2014/main" id="{1B5D75F3-CA4F-E95C-8D0D-09A4601C7CB2}"/>
+                </a:ext>
+              </a:extLst>
+            </p:cNvPr>
+            <p:cNvCxnSpPr/>
+            <p:nvPr/>
+          </p:nvCxnSpPr>
+          <p:spPr>
+            <a:xfrm>
+              <a:off x="3636660" y="3388864"/>
+              <a:ext cx="0" cy="1504223"/>
+            </a:xfrm>
+            <a:prstGeom prst="line">
+              <a:avLst/>
+            </a:prstGeom>
+            <a:ln>
+              <a:headEnd type="triangle"/>
+              <a:tailEnd type="none"/>
+            </a:ln>
+          </p:spPr>
+          <p:style>
+            <a:lnRef idx="1">
+              <a:schemeClr val="accent1"/>
+            </a:lnRef>
+            <a:fillRef idx="0">
+              <a:schemeClr val="accent1"/>
+            </a:fillRef>
+            <a:effectRef idx="0">
+              <a:schemeClr val="accent1"/>
+            </a:effectRef>
+            <a:fontRef idx="minor">
+              <a:schemeClr val="tx1"/>
+            </a:fontRef>
+          </p:style>
+        </p:cxnSp>
+        <p:cxnSp>
+          <p:nvCxnSpPr>
+            <p:cNvPr id="15" name="Straight Connector 14">
+              <a:extLst>
+                <a:ext uri="{FF2B5EF4-FFF2-40B4-BE49-F238E27FC236}">
+                  <a16:creationId xmlns:a16="http://schemas.microsoft.com/office/drawing/2014/main" id="{CAC831FC-F265-62DC-44FD-0CFFA4B9C707}"/>
+                </a:ext>
+              </a:extLst>
+            </p:cNvPr>
+            <p:cNvCxnSpPr>
+              <a:cxnSpLocks/>
+            </p:cNvCxnSpPr>
+            <p:nvPr/>
+          </p:nvCxnSpPr>
+          <p:spPr>
+            <a:xfrm>
+              <a:off x="3633169" y="4896577"/>
+              <a:ext cx="3350474" cy="0"/>
+            </a:xfrm>
+            <a:prstGeom prst="line">
+              <a:avLst/>
+            </a:prstGeom>
+            <a:ln>
+              <a:prstDash val="solid"/>
+              <a:tailEnd type="triangle"/>
+            </a:ln>
+          </p:spPr>
+          <p:style>
+            <a:lnRef idx="1">
+              <a:schemeClr val="accent1"/>
+            </a:lnRef>
+            <a:fillRef idx="0">
+              <a:schemeClr val="accent1"/>
+            </a:fillRef>
+            <a:effectRef idx="0">
+              <a:schemeClr val="accent1"/>
+            </a:effectRef>
+            <a:fontRef idx="minor">
+              <a:schemeClr val="tx1"/>
+            </a:fontRef>
+          </p:style>
+        </p:cxnSp>
+        <p:sp>
+          <p:nvSpPr>
+            <p:cNvPr id="18" name="Freeform 17">
+              <a:extLst>
+                <a:ext uri="{FF2B5EF4-FFF2-40B4-BE49-F238E27FC236}">
+                  <a16:creationId xmlns:a16="http://schemas.microsoft.com/office/drawing/2014/main" id="{DF48E07E-931B-D162-036D-C367014A4952}"/>
+                </a:ext>
+              </a:extLst>
+            </p:cNvPr>
+            <p:cNvSpPr/>
+            <p:nvPr/>
+          </p:nvSpPr>
+          <p:spPr>
+            <a:xfrm>
+              <a:off x="3929826" y="3597638"/>
+              <a:ext cx="2851392" cy="483881"/>
+            </a:xfrm>
+            <a:custGeom>
+              <a:avLst/>
+              <a:gdLst>
+                <a:gd name="connsiteX0" fmla="*/ 0 w 2851392"/>
+                <a:gd name="connsiteY0" fmla="*/ 251916 h 483881"/>
+                <a:gd name="connsiteX1" fmla="*/ 80272 w 2851392"/>
+                <a:gd name="connsiteY1" fmla="*/ 39022 h 483881"/>
+                <a:gd name="connsiteX2" fmla="*/ 174504 w 2851392"/>
+                <a:gd name="connsiteY2" fmla="*/ 4121 h 483881"/>
+                <a:gd name="connsiteX3" fmla="*/ 233835 w 2851392"/>
+                <a:gd name="connsiteY3" fmla="*/ 91373 h 483881"/>
+                <a:gd name="connsiteX4" fmla="*/ 265246 w 2851392"/>
+                <a:gd name="connsiteY4" fmla="*/ 220506 h 483881"/>
+                <a:gd name="connsiteX5" fmla="*/ 338537 w 2851392"/>
+                <a:gd name="connsiteY5" fmla="*/ 356618 h 483881"/>
+                <a:gd name="connsiteX6" fmla="*/ 439750 w 2851392"/>
+                <a:gd name="connsiteY6" fmla="*/ 349638 h 483881"/>
+                <a:gd name="connsiteX7" fmla="*/ 499081 w 2851392"/>
+                <a:gd name="connsiteY7" fmla="*/ 251916 h 483881"/>
+                <a:gd name="connsiteX8" fmla="*/ 568882 w 2851392"/>
+                <a:gd name="connsiteY8" fmla="*/ 105333 h 483881"/>
+                <a:gd name="connsiteX9" fmla="*/ 711976 w 2851392"/>
+                <a:gd name="connsiteY9" fmla="*/ 101843 h 483881"/>
+                <a:gd name="connsiteX10" fmla="*/ 771307 w 2851392"/>
+                <a:gd name="connsiteY10" fmla="*/ 293797 h 483881"/>
+                <a:gd name="connsiteX11" fmla="*/ 792247 w 2851392"/>
+                <a:gd name="connsiteY11" fmla="*/ 370579 h 483881"/>
+                <a:gd name="connsiteX12" fmla="*/ 869029 w 2851392"/>
+                <a:gd name="connsiteY12" fmla="*/ 426420 h 483881"/>
+                <a:gd name="connsiteX13" fmla="*/ 924870 w 2851392"/>
+                <a:gd name="connsiteY13" fmla="*/ 422930 h 483881"/>
+                <a:gd name="connsiteX14" fmla="*/ 991182 w 2851392"/>
+                <a:gd name="connsiteY14" fmla="*/ 381049 h 483881"/>
+                <a:gd name="connsiteX15" fmla="*/ 1012122 w 2851392"/>
+                <a:gd name="connsiteY15" fmla="*/ 311247 h 483881"/>
+                <a:gd name="connsiteX16" fmla="*/ 1043533 w 2851392"/>
+                <a:gd name="connsiteY16" fmla="*/ 217015 h 483881"/>
+                <a:gd name="connsiteX17" fmla="*/ 1074943 w 2851392"/>
+                <a:gd name="connsiteY17" fmla="*/ 136744 h 483881"/>
+                <a:gd name="connsiteX18" fmla="*/ 1127295 w 2851392"/>
+                <a:gd name="connsiteY18" fmla="*/ 94863 h 483881"/>
+                <a:gd name="connsiteX19" fmla="*/ 1228507 w 2851392"/>
+                <a:gd name="connsiteY19" fmla="*/ 91373 h 483881"/>
+                <a:gd name="connsiteX20" fmla="*/ 1301798 w 2851392"/>
+                <a:gd name="connsiteY20" fmla="*/ 220506 h 483881"/>
+                <a:gd name="connsiteX21" fmla="*/ 1336699 w 2851392"/>
+                <a:gd name="connsiteY21" fmla="*/ 367089 h 483881"/>
+                <a:gd name="connsiteX22" fmla="*/ 1423951 w 2851392"/>
+                <a:gd name="connsiteY22" fmla="*/ 436890 h 483881"/>
+                <a:gd name="connsiteX23" fmla="*/ 1507713 w 2851392"/>
+                <a:gd name="connsiteY23" fmla="*/ 412460 h 483881"/>
+                <a:gd name="connsiteX24" fmla="*/ 1549594 w 2851392"/>
+                <a:gd name="connsiteY24" fmla="*/ 335678 h 483881"/>
+                <a:gd name="connsiteX25" fmla="*/ 1591475 w 2851392"/>
+                <a:gd name="connsiteY25" fmla="*/ 241446 h 483881"/>
+                <a:gd name="connsiteX26" fmla="*/ 1664766 w 2851392"/>
+                <a:gd name="connsiteY26" fmla="*/ 199565 h 483881"/>
+                <a:gd name="connsiteX27" fmla="*/ 1745038 w 2851392"/>
+                <a:gd name="connsiteY27" fmla="*/ 244936 h 483881"/>
+                <a:gd name="connsiteX28" fmla="*/ 1786919 w 2851392"/>
+                <a:gd name="connsiteY28" fmla="*/ 356618 h 483881"/>
+                <a:gd name="connsiteX29" fmla="*/ 1811350 w 2851392"/>
+                <a:gd name="connsiteY29" fmla="*/ 440380 h 483881"/>
+                <a:gd name="connsiteX30" fmla="*/ 1888131 w 2851392"/>
+                <a:gd name="connsiteY30" fmla="*/ 457831 h 483881"/>
+                <a:gd name="connsiteX31" fmla="*/ 1947463 w 2851392"/>
+                <a:gd name="connsiteY31" fmla="*/ 419440 h 483881"/>
+                <a:gd name="connsiteX32" fmla="*/ 1978873 w 2851392"/>
+                <a:gd name="connsiteY32" fmla="*/ 339168 h 483881"/>
+                <a:gd name="connsiteX33" fmla="*/ 2017264 w 2851392"/>
+                <a:gd name="connsiteY33" fmla="*/ 283327 h 483881"/>
+                <a:gd name="connsiteX34" fmla="*/ 2083576 w 2851392"/>
+                <a:gd name="connsiteY34" fmla="*/ 265877 h 483881"/>
+                <a:gd name="connsiteX35" fmla="*/ 2125456 w 2851392"/>
+                <a:gd name="connsiteY35" fmla="*/ 339168 h 483881"/>
+                <a:gd name="connsiteX36" fmla="*/ 2160357 w 2851392"/>
+                <a:gd name="connsiteY36" fmla="*/ 433400 h 483881"/>
+                <a:gd name="connsiteX37" fmla="*/ 2223179 w 2851392"/>
+                <a:gd name="connsiteY37" fmla="*/ 447360 h 483881"/>
+                <a:gd name="connsiteX38" fmla="*/ 2279020 w 2851392"/>
+                <a:gd name="connsiteY38" fmla="*/ 415950 h 483881"/>
+                <a:gd name="connsiteX39" fmla="*/ 2313921 w 2851392"/>
+                <a:gd name="connsiteY39" fmla="*/ 360109 h 483881"/>
+                <a:gd name="connsiteX40" fmla="*/ 2369762 w 2851392"/>
+                <a:gd name="connsiteY40" fmla="*/ 332188 h 483881"/>
+                <a:gd name="connsiteX41" fmla="*/ 2418623 w 2851392"/>
+                <a:gd name="connsiteY41" fmla="*/ 342658 h 483881"/>
+                <a:gd name="connsiteX42" fmla="*/ 2443053 w 2851392"/>
+                <a:gd name="connsiteY42" fmla="*/ 391519 h 483881"/>
+                <a:gd name="connsiteX43" fmla="*/ 2467484 w 2851392"/>
+                <a:gd name="connsiteY43" fmla="*/ 436890 h 483881"/>
+                <a:gd name="connsiteX44" fmla="*/ 2516345 w 2851392"/>
+                <a:gd name="connsiteY44" fmla="*/ 454341 h 483881"/>
+                <a:gd name="connsiteX45" fmla="*/ 2540776 w 2851392"/>
+                <a:gd name="connsiteY45" fmla="*/ 450851 h 483881"/>
+                <a:gd name="connsiteX46" fmla="*/ 2565206 w 2851392"/>
+                <a:gd name="connsiteY46" fmla="*/ 429910 h 483881"/>
+                <a:gd name="connsiteX47" fmla="*/ 2596617 w 2851392"/>
+                <a:gd name="connsiteY47" fmla="*/ 405480 h 483881"/>
+                <a:gd name="connsiteX48" fmla="*/ 2662928 w 2851392"/>
+                <a:gd name="connsiteY48" fmla="*/ 401989 h 483881"/>
+                <a:gd name="connsiteX49" fmla="*/ 2697829 w 2851392"/>
+                <a:gd name="connsiteY49" fmla="*/ 440380 h 483881"/>
+                <a:gd name="connsiteX50" fmla="*/ 2725750 w 2851392"/>
+                <a:gd name="connsiteY50" fmla="*/ 475281 h 483881"/>
+                <a:gd name="connsiteX51" fmla="*/ 2802531 w 2851392"/>
+                <a:gd name="connsiteY51" fmla="*/ 482261 h 483881"/>
+                <a:gd name="connsiteX52" fmla="*/ 2851392 w 2851392"/>
+                <a:gd name="connsiteY52" fmla="*/ 450851 h 483881"/>
+              </a:gdLst>
+              <a:ahLst/>
+              <a:cxnLst>
+                <a:cxn ang="0">
+                  <a:pos x="connsiteX0" y="connsiteY0"/>
+                </a:cxn>
+                <a:cxn ang="0">
+                  <a:pos x="connsiteX1" y="connsiteY1"/>
+                </a:cxn>
+                <a:cxn ang="0">
+                  <a:pos x="connsiteX2" y="connsiteY2"/>
+                </a:cxn>
+                <a:cxn ang="0">
+                  <a:pos x="connsiteX3" y="connsiteY3"/>
+                </a:cxn>
+                <a:cxn ang="0">
+                  <a:pos x="connsiteX4" y="connsiteY4"/>
+                </a:cxn>
+                <a:cxn ang="0">
+                  <a:pos x="connsiteX5" y="connsiteY5"/>
+                </a:cxn>
+                <a:cxn ang="0">
+                  <a:pos x="connsiteX6" y="connsiteY6"/>
+                </a:cxn>
+                <a:cxn ang="0">
+                  <a:pos x="connsiteX7" y="connsiteY7"/>
+                </a:cxn>
+                <a:cxn ang="0">
+                  <a:pos x="connsiteX8" y="connsiteY8"/>
+                </a:cxn>
+                <a:cxn ang="0">
+                  <a:pos x="connsiteX9" y="connsiteY9"/>
+                </a:cxn>
+                <a:cxn ang="0">
+                  <a:pos x="connsiteX10" y="connsiteY10"/>
+                </a:cxn>
+                <a:cxn ang="0">
+                  <a:pos x="connsiteX11" y="connsiteY11"/>
+                </a:cxn>
+                <a:cxn ang="0">
+                  <a:pos x="connsiteX12" y="connsiteY12"/>
+                </a:cxn>
+                <a:cxn ang="0">
+                  <a:pos x="connsiteX13" y="connsiteY13"/>
+                </a:cxn>
+                <a:cxn ang="0">
+                  <a:pos x="connsiteX14" y="connsiteY14"/>
+                </a:cxn>
+                <a:cxn ang="0">
+                  <a:pos x="connsiteX15" y="connsiteY15"/>
+                </a:cxn>
+                <a:cxn ang="0">
+                  <a:pos x="connsiteX16" y="connsiteY16"/>
+                </a:cxn>
+                <a:cxn ang="0">
+                  <a:pos x="connsiteX17" y="connsiteY17"/>
+                </a:cxn>
+                <a:cxn ang="0">
+                  <a:pos x="connsiteX18" y="connsiteY18"/>
+                </a:cxn>
+                <a:cxn ang="0">
+                  <a:pos x="connsiteX19" y="connsiteY19"/>
+                </a:cxn>
+                <a:cxn ang="0">
+                  <a:pos x="connsiteX20" y="connsiteY20"/>
+                </a:cxn>
+                <a:cxn ang="0">
+                  <a:pos x="connsiteX21" y="connsiteY21"/>
+                </a:cxn>
+                <a:cxn ang="0">
+                  <a:pos x="connsiteX22" y="connsiteY22"/>
+                </a:cxn>
+                <a:cxn ang="0">
+                  <a:pos x="connsiteX23" y="connsiteY23"/>
+                </a:cxn>
+                <a:cxn ang="0">
+                  <a:pos x="connsiteX24" y="connsiteY24"/>
+                </a:cxn>
+                <a:cxn ang="0">
+                  <a:pos x="connsiteX25" y="connsiteY25"/>
+                </a:cxn>
+                <a:cxn ang="0">
+                  <a:pos x="connsiteX26" y="connsiteY26"/>
+                </a:cxn>
+                <a:cxn ang="0">
+                  <a:pos x="connsiteX27" y="connsiteY27"/>
+                </a:cxn>
+                <a:cxn ang="0">
+                  <a:pos x="connsiteX28" y="connsiteY28"/>
+                </a:cxn>
+                <a:cxn ang="0">
+                  <a:pos x="connsiteX29" y="connsiteY29"/>
+                </a:cxn>
+                <a:cxn ang="0">
+                  <a:pos x="connsiteX30" y="connsiteY30"/>
+                </a:cxn>
+                <a:cxn ang="0">
+                  <a:pos x="connsiteX31" y="connsiteY31"/>
+                </a:cxn>
+                <a:cxn ang="0">
+                  <a:pos x="connsiteX32" y="connsiteY32"/>
+                </a:cxn>
+                <a:cxn ang="0">
+                  <a:pos x="connsiteX33" y="connsiteY33"/>
+                </a:cxn>
+                <a:cxn ang="0">
+                  <a:pos x="connsiteX34" y="connsiteY34"/>
+                </a:cxn>
+                <a:cxn ang="0">
+                  <a:pos x="connsiteX35" y="connsiteY35"/>
+                </a:cxn>
+                <a:cxn ang="0">
+                  <a:pos x="connsiteX36" y="connsiteY36"/>
+                </a:cxn>
+                <a:cxn ang="0">
+                  <a:pos x="connsiteX37" y="connsiteY37"/>
+                </a:cxn>
+                <a:cxn ang="0">
+                  <a:pos x="connsiteX38" y="connsiteY38"/>
+                </a:cxn>
+                <a:cxn ang="0">
+                  <a:pos x="connsiteX39" y="connsiteY39"/>
+                </a:cxn>
+                <a:cxn ang="0">
+                  <a:pos x="connsiteX40" y="connsiteY40"/>
+                </a:cxn>
+                <a:cxn ang="0">
+                  <a:pos x="connsiteX41" y="connsiteY41"/>
+                </a:cxn>
+                <a:cxn ang="0">
+                  <a:pos x="connsiteX42" y="connsiteY42"/>
+                </a:cxn>
+                <a:cxn ang="0">
+                  <a:pos x="connsiteX43" y="connsiteY43"/>
+                </a:cxn>
+                <a:cxn ang="0">
+                  <a:pos x="connsiteX44" y="connsiteY44"/>
+                </a:cxn>
+                <a:cxn ang="0">
+                  <a:pos x="connsiteX45" y="connsiteY45"/>
+                </a:cxn>
+                <a:cxn ang="0">
+                  <a:pos x="connsiteX46" y="connsiteY46"/>
+                </a:cxn>
+                <a:cxn ang="0">
+                  <a:pos x="connsiteX47" y="connsiteY47"/>
+                </a:cxn>
+                <a:cxn ang="0">
+                  <a:pos x="connsiteX48" y="connsiteY48"/>
+                </a:cxn>
+                <a:cxn ang="0">
+                  <a:pos x="connsiteX49" y="connsiteY49"/>
+                </a:cxn>
+                <a:cxn ang="0">
+                  <a:pos x="connsiteX50" y="connsiteY50"/>
+                </a:cxn>
+                <a:cxn ang="0">
+                  <a:pos x="connsiteX51" y="connsiteY51"/>
+                </a:cxn>
+                <a:cxn ang="0">
+                  <a:pos x="connsiteX52" y="connsiteY52"/>
+                </a:cxn>
+              </a:cxnLst>
+              <a:rect l="l" t="t" r="r" b="b"/>
+              <a:pathLst>
+                <a:path w="2851392" h="483881">
+                  <a:moveTo>
+                    <a:pt x="0" y="251916"/>
+                  </a:moveTo>
+                  <a:cubicBezTo>
+                    <a:pt x="25594" y="166118"/>
+                    <a:pt x="51188" y="80321"/>
+                    <a:pt x="80272" y="39022"/>
+                  </a:cubicBezTo>
+                  <a:cubicBezTo>
+                    <a:pt x="109356" y="-2277"/>
+                    <a:pt x="148910" y="-4604"/>
+                    <a:pt x="174504" y="4121"/>
+                  </a:cubicBezTo>
+                  <a:cubicBezTo>
+                    <a:pt x="200098" y="12846"/>
+                    <a:pt x="218711" y="55309"/>
+                    <a:pt x="233835" y="91373"/>
+                  </a:cubicBezTo>
+                  <a:cubicBezTo>
+                    <a:pt x="248959" y="127437"/>
+                    <a:pt x="247796" y="176299"/>
+                    <a:pt x="265246" y="220506"/>
+                  </a:cubicBezTo>
+                  <a:cubicBezTo>
+                    <a:pt x="282696" y="264713"/>
+                    <a:pt x="309453" y="335096"/>
+                    <a:pt x="338537" y="356618"/>
+                  </a:cubicBezTo>
+                  <a:cubicBezTo>
+                    <a:pt x="367621" y="378140"/>
+                    <a:pt x="412993" y="367088"/>
+                    <a:pt x="439750" y="349638"/>
+                  </a:cubicBezTo>
+                  <a:cubicBezTo>
+                    <a:pt x="466507" y="332188"/>
+                    <a:pt x="477559" y="292633"/>
+                    <a:pt x="499081" y="251916"/>
+                  </a:cubicBezTo>
+                  <a:cubicBezTo>
+                    <a:pt x="520603" y="211199"/>
+                    <a:pt x="533400" y="130345"/>
+                    <a:pt x="568882" y="105333"/>
+                  </a:cubicBezTo>
+                  <a:cubicBezTo>
+                    <a:pt x="604365" y="80321"/>
+                    <a:pt x="678239" y="70432"/>
+                    <a:pt x="711976" y="101843"/>
+                  </a:cubicBezTo>
+                  <a:cubicBezTo>
+                    <a:pt x="745714" y="133254"/>
+                    <a:pt x="757929" y="249008"/>
+                    <a:pt x="771307" y="293797"/>
+                  </a:cubicBezTo>
+                  <a:cubicBezTo>
+                    <a:pt x="784686" y="338586"/>
+                    <a:pt x="775960" y="348475"/>
+                    <a:pt x="792247" y="370579"/>
+                  </a:cubicBezTo>
+                  <a:cubicBezTo>
+                    <a:pt x="808534" y="392683"/>
+                    <a:pt x="846925" y="417695"/>
+                    <a:pt x="869029" y="426420"/>
+                  </a:cubicBezTo>
+                  <a:cubicBezTo>
+                    <a:pt x="891133" y="435145"/>
+                    <a:pt x="904511" y="430492"/>
+                    <a:pt x="924870" y="422930"/>
+                  </a:cubicBezTo>
+                  <a:cubicBezTo>
+                    <a:pt x="945229" y="415368"/>
+                    <a:pt x="976640" y="399663"/>
+                    <a:pt x="991182" y="381049"/>
+                  </a:cubicBezTo>
+                  <a:cubicBezTo>
+                    <a:pt x="1005724" y="362435"/>
+                    <a:pt x="1003397" y="338586"/>
+                    <a:pt x="1012122" y="311247"/>
+                  </a:cubicBezTo>
+                  <a:cubicBezTo>
+                    <a:pt x="1020847" y="283908"/>
+                    <a:pt x="1033063" y="246099"/>
+                    <a:pt x="1043533" y="217015"/>
+                  </a:cubicBezTo>
+                  <a:cubicBezTo>
+                    <a:pt x="1054003" y="187931"/>
+                    <a:pt x="1060983" y="157103"/>
+                    <a:pt x="1074943" y="136744"/>
+                  </a:cubicBezTo>
+                  <a:cubicBezTo>
+                    <a:pt x="1088903" y="116385"/>
+                    <a:pt x="1101701" y="102425"/>
+                    <a:pt x="1127295" y="94863"/>
+                  </a:cubicBezTo>
+                  <a:cubicBezTo>
+                    <a:pt x="1152889" y="87301"/>
+                    <a:pt x="1199423" y="70432"/>
+                    <a:pt x="1228507" y="91373"/>
+                  </a:cubicBezTo>
+                  <a:cubicBezTo>
+                    <a:pt x="1257591" y="112313"/>
+                    <a:pt x="1283766" y="174553"/>
+                    <a:pt x="1301798" y="220506"/>
+                  </a:cubicBezTo>
+                  <a:cubicBezTo>
+                    <a:pt x="1319830" y="266459"/>
+                    <a:pt x="1316340" y="331025"/>
+                    <a:pt x="1336699" y="367089"/>
+                  </a:cubicBezTo>
+                  <a:cubicBezTo>
+                    <a:pt x="1357058" y="403153"/>
+                    <a:pt x="1395449" y="429328"/>
+                    <a:pt x="1423951" y="436890"/>
+                  </a:cubicBezTo>
+                  <a:cubicBezTo>
+                    <a:pt x="1452453" y="444452"/>
+                    <a:pt x="1486773" y="429329"/>
+                    <a:pt x="1507713" y="412460"/>
+                  </a:cubicBezTo>
+                  <a:cubicBezTo>
+                    <a:pt x="1528654" y="395591"/>
+                    <a:pt x="1535634" y="364180"/>
+                    <a:pt x="1549594" y="335678"/>
+                  </a:cubicBezTo>
+                  <a:cubicBezTo>
+                    <a:pt x="1563554" y="307176"/>
+                    <a:pt x="1572280" y="264132"/>
+                    <a:pt x="1591475" y="241446"/>
+                  </a:cubicBezTo>
+                  <a:cubicBezTo>
+                    <a:pt x="1610670" y="218760"/>
+                    <a:pt x="1639172" y="198983"/>
+                    <a:pt x="1664766" y="199565"/>
+                  </a:cubicBezTo>
+                  <a:cubicBezTo>
+                    <a:pt x="1690360" y="200147"/>
+                    <a:pt x="1724679" y="218761"/>
+                    <a:pt x="1745038" y="244936"/>
+                  </a:cubicBezTo>
+                  <a:cubicBezTo>
+                    <a:pt x="1765397" y="271111"/>
+                    <a:pt x="1775867" y="324044"/>
+                    <a:pt x="1786919" y="356618"/>
+                  </a:cubicBezTo>
+                  <a:cubicBezTo>
+                    <a:pt x="1797971" y="389192"/>
+                    <a:pt x="1794481" y="423511"/>
+                    <a:pt x="1811350" y="440380"/>
+                  </a:cubicBezTo>
+                  <a:cubicBezTo>
+                    <a:pt x="1828219" y="457249"/>
+                    <a:pt x="1865446" y="461321"/>
+                    <a:pt x="1888131" y="457831"/>
+                  </a:cubicBezTo>
+                  <a:cubicBezTo>
+                    <a:pt x="1910817" y="454341"/>
+                    <a:pt x="1932339" y="439217"/>
+                    <a:pt x="1947463" y="419440"/>
+                  </a:cubicBezTo>
+                  <a:cubicBezTo>
+                    <a:pt x="1962587" y="399663"/>
+                    <a:pt x="1967240" y="361854"/>
+                    <a:pt x="1978873" y="339168"/>
+                  </a:cubicBezTo>
+                  <a:cubicBezTo>
+                    <a:pt x="1990507" y="316483"/>
+                    <a:pt x="1999814" y="295542"/>
+                    <a:pt x="2017264" y="283327"/>
+                  </a:cubicBezTo>
+                  <a:cubicBezTo>
+                    <a:pt x="2034715" y="271112"/>
+                    <a:pt x="2065544" y="256570"/>
+                    <a:pt x="2083576" y="265877"/>
+                  </a:cubicBezTo>
+                  <a:cubicBezTo>
+                    <a:pt x="2101608" y="275184"/>
+                    <a:pt x="2112659" y="311248"/>
+                    <a:pt x="2125456" y="339168"/>
+                  </a:cubicBezTo>
+                  <a:cubicBezTo>
+                    <a:pt x="2138253" y="367088"/>
+                    <a:pt x="2144070" y="415368"/>
+                    <a:pt x="2160357" y="433400"/>
+                  </a:cubicBezTo>
+                  <a:cubicBezTo>
+                    <a:pt x="2176644" y="451432"/>
+                    <a:pt x="2203402" y="450268"/>
+                    <a:pt x="2223179" y="447360"/>
+                  </a:cubicBezTo>
+                  <a:cubicBezTo>
+                    <a:pt x="2242956" y="444452"/>
+                    <a:pt x="2263896" y="430492"/>
+                    <a:pt x="2279020" y="415950"/>
+                  </a:cubicBezTo>
+                  <a:cubicBezTo>
+                    <a:pt x="2294144" y="401408"/>
+                    <a:pt x="2298797" y="374069"/>
+                    <a:pt x="2313921" y="360109"/>
+                  </a:cubicBezTo>
+                  <a:cubicBezTo>
+                    <a:pt x="2329045" y="346149"/>
+                    <a:pt x="2352312" y="335096"/>
+                    <a:pt x="2369762" y="332188"/>
+                  </a:cubicBezTo>
+                  <a:cubicBezTo>
+                    <a:pt x="2387212" y="329280"/>
+                    <a:pt x="2406408" y="332770"/>
+                    <a:pt x="2418623" y="342658"/>
+                  </a:cubicBezTo>
+                  <a:cubicBezTo>
+                    <a:pt x="2430838" y="352546"/>
+                    <a:pt x="2434910" y="375814"/>
+                    <a:pt x="2443053" y="391519"/>
+                  </a:cubicBezTo>
+                  <a:cubicBezTo>
+                    <a:pt x="2451196" y="407224"/>
+                    <a:pt x="2455269" y="426420"/>
+                    <a:pt x="2467484" y="436890"/>
+                  </a:cubicBezTo>
+                  <a:cubicBezTo>
+                    <a:pt x="2479699" y="447360"/>
+                    <a:pt x="2504130" y="452014"/>
+                    <a:pt x="2516345" y="454341"/>
+                  </a:cubicBezTo>
+                  <a:cubicBezTo>
+                    <a:pt x="2528560" y="456668"/>
+                    <a:pt x="2532633" y="454923"/>
+                    <a:pt x="2540776" y="450851"/>
+                  </a:cubicBezTo>
+                  <a:cubicBezTo>
+                    <a:pt x="2548920" y="446779"/>
+                    <a:pt x="2555899" y="437472"/>
+                    <a:pt x="2565206" y="429910"/>
+                  </a:cubicBezTo>
+                  <a:cubicBezTo>
+                    <a:pt x="2574513" y="422348"/>
+                    <a:pt x="2580330" y="410133"/>
+                    <a:pt x="2596617" y="405480"/>
+                  </a:cubicBezTo>
+                  <a:cubicBezTo>
+                    <a:pt x="2612904" y="400827"/>
+                    <a:pt x="2646059" y="396172"/>
+                    <a:pt x="2662928" y="401989"/>
+                  </a:cubicBezTo>
+                  <a:cubicBezTo>
+                    <a:pt x="2679797" y="407806"/>
+                    <a:pt x="2687359" y="428165"/>
+                    <a:pt x="2697829" y="440380"/>
+                  </a:cubicBezTo>
+                  <a:cubicBezTo>
+                    <a:pt x="2708299" y="452595"/>
+                    <a:pt x="2708300" y="468301"/>
+                    <a:pt x="2725750" y="475281"/>
+                  </a:cubicBezTo>
+                  <a:cubicBezTo>
+                    <a:pt x="2743200" y="482261"/>
+                    <a:pt x="2781591" y="486333"/>
+                    <a:pt x="2802531" y="482261"/>
+                  </a:cubicBezTo>
+                  <a:cubicBezTo>
+                    <a:pt x="2823471" y="478189"/>
+                    <a:pt x="2837431" y="464520"/>
+                    <a:pt x="2851392" y="450851"/>
+                  </a:cubicBezTo>
+                </a:path>
+              </a:pathLst>
+            </a:custGeom>
+            <a:noFill/>
+            <a:ln w="9525">
+              <a:prstDash val="dash"/>
+            </a:ln>
+          </p:spPr>
+          <p:style>
+            <a:lnRef idx="2">
+              <a:schemeClr val="accent1">
+                <a:shade val="15000"/>
+              </a:schemeClr>
+            </a:lnRef>
+            <a:fillRef idx="1">
+              <a:schemeClr val="accent1"/>
+            </a:fillRef>
+            <a:effectRef idx="0">
+              <a:schemeClr val="accent1"/>
+            </a:effectRef>
+            <a:fontRef idx="minor">
+              <a:schemeClr val="lt1"/>
+            </a:fontRef>
+          </p:style>
+          <p:txBody>
+            <a:bodyPr rtlCol="0" anchor="ctr"/>
+            <a:lstStyle/>
+            <a:p>
+              <a:pPr algn="ctr"/>
+              <a:endParaRPr lang="en-US"/>
+            </a:p>
+          </p:txBody>
+        </p:sp>
+        <p:sp>
+          <p:nvSpPr>
+            <p:cNvPr id="20" name="TextBox 19">
+              <a:extLst>
+                <a:ext uri="{FF2B5EF4-FFF2-40B4-BE49-F238E27FC236}">
+                  <a16:creationId xmlns:a16="http://schemas.microsoft.com/office/drawing/2014/main" id="{8A0CA468-218E-74FB-18D8-671917B67B1E}"/>
+                </a:ext>
+              </a:extLst>
+            </p:cNvPr>
+            <p:cNvSpPr txBox="1"/>
+            <p:nvPr/>
+          </p:nvSpPr>
+          <p:spPr>
+            <a:xfrm>
+              <a:off x="4335599" y="4458668"/>
+              <a:ext cx="1257075" cy="230832"/>
+            </a:xfrm>
+            <a:prstGeom prst="rect">
+              <a:avLst/>
+            </a:prstGeom>
+            <a:noFill/>
+          </p:spPr>
+          <p:txBody>
+            <a:bodyPr wrap="none" rtlCol="0">
+              <a:spAutoFit/>
+            </a:bodyPr>
+            <a:lstStyle/>
+            <a:p>
+              <a:r>
+                <a:rPr lang="en-US" sz="900" dirty="0"/>
+                <a:t>Black-box optimization</a:t>
+              </a:r>
+            </a:p>
+          </p:txBody>
+        </p:sp>
+      </p:grpSp>
+      <p:grpSp>
+        <p:nvGrpSpPr>
+          <p:cNvPr id="43" name="Group 42">
+            <a:extLst>
+              <a:ext uri="{FF2B5EF4-FFF2-40B4-BE49-F238E27FC236}">
+                <a16:creationId xmlns:a16="http://schemas.microsoft.com/office/drawing/2014/main" id="{E22D5672-27BE-6302-3C0F-93D4703178E2}"/>
+              </a:ext>
+            </a:extLst>
+          </p:cNvPr>
+          <p:cNvGrpSpPr/>
+          <p:nvPr/>
+        </p:nvGrpSpPr>
+        <p:grpSpPr>
+          <a:xfrm>
+            <a:off x="7276808" y="3388864"/>
+            <a:ext cx="3350474" cy="1507713"/>
+            <a:chOff x="7276808" y="3388864"/>
+            <a:chExt cx="3350474" cy="1507713"/>
+          </a:xfrm>
+        </p:grpSpPr>
+        <p:cxnSp>
+          <p:nvCxnSpPr>
+            <p:cNvPr id="23" name="Straight Connector 22">
+              <a:extLst>
+                <a:ext uri="{FF2B5EF4-FFF2-40B4-BE49-F238E27FC236}">
+                  <a16:creationId xmlns:a16="http://schemas.microsoft.com/office/drawing/2014/main" id="{22799D21-3718-0871-B6F0-C377968B58B1}"/>
+                </a:ext>
+              </a:extLst>
+            </p:cNvPr>
+            <p:cNvCxnSpPr/>
+            <p:nvPr/>
+          </p:nvCxnSpPr>
+          <p:spPr>
+            <a:xfrm>
+              <a:off x="7280299" y="3388864"/>
+              <a:ext cx="0" cy="1504223"/>
+            </a:xfrm>
+            <a:prstGeom prst="line">
+              <a:avLst/>
+            </a:prstGeom>
+            <a:ln>
+              <a:headEnd type="triangle"/>
+              <a:tailEnd type="none"/>
+            </a:ln>
+          </p:spPr>
+          <p:style>
+            <a:lnRef idx="1">
+              <a:schemeClr val="accent1"/>
+            </a:lnRef>
+            <a:fillRef idx="0">
+              <a:schemeClr val="accent1"/>
+            </a:fillRef>
+            <a:effectRef idx="0">
+              <a:schemeClr val="accent1"/>
+            </a:effectRef>
+            <a:fontRef idx="minor">
+              <a:schemeClr val="tx1"/>
+            </a:fontRef>
+          </p:style>
+        </p:cxnSp>
+        <p:cxnSp>
+          <p:nvCxnSpPr>
+            <p:cNvPr id="24" name="Straight Connector 23">
+              <a:extLst>
+                <a:ext uri="{FF2B5EF4-FFF2-40B4-BE49-F238E27FC236}">
+                  <a16:creationId xmlns:a16="http://schemas.microsoft.com/office/drawing/2014/main" id="{3664E97E-2A32-32C5-08A6-559847C42513}"/>
+                </a:ext>
+              </a:extLst>
+            </p:cNvPr>
+            <p:cNvCxnSpPr>
+              <a:cxnSpLocks/>
+            </p:cNvCxnSpPr>
+            <p:nvPr/>
+          </p:nvCxnSpPr>
+          <p:spPr>
+            <a:xfrm>
+              <a:off x="7276808" y="4896577"/>
+              <a:ext cx="3350474" cy="0"/>
+            </a:xfrm>
+            <a:prstGeom prst="line">
+              <a:avLst/>
+            </a:prstGeom>
+            <a:ln>
+              <a:prstDash val="solid"/>
+              <a:tailEnd type="triangle"/>
+            </a:ln>
+          </p:spPr>
+          <p:style>
+            <a:lnRef idx="1">
+              <a:schemeClr val="accent1"/>
+            </a:lnRef>
+            <a:fillRef idx="0">
+              <a:schemeClr val="accent1"/>
+            </a:fillRef>
+            <a:effectRef idx="0">
+              <a:schemeClr val="accent1"/>
+            </a:effectRef>
+            <a:fontRef idx="minor">
+              <a:schemeClr val="tx1"/>
+            </a:fontRef>
+          </p:style>
+        </p:cxnSp>
+        <p:sp>
+          <p:nvSpPr>
+            <p:cNvPr id="26" name="TextBox 25">
+              <a:extLst>
+                <a:ext uri="{FF2B5EF4-FFF2-40B4-BE49-F238E27FC236}">
+                  <a16:creationId xmlns:a16="http://schemas.microsoft.com/office/drawing/2014/main" id="{E8CED7C7-9AB7-BAE2-66C0-B06FE0BD9FB3}"/>
+                </a:ext>
+              </a:extLst>
+            </p:cNvPr>
+            <p:cNvSpPr txBox="1"/>
+            <p:nvPr/>
+          </p:nvSpPr>
+          <p:spPr>
+            <a:xfrm>
+              <a:off x="7979238" y="4458668"/>
+              <a:ext cx="1257075" cy="230832"/>
+            </a:xfrm>
+            <a:prstGeom prst="rect">
+              <a:avLst/>
+            </a:prstGeom>
+            <a:noFill/>
+          </p:spPr>
+          <p:txBody>
+            <a:bodyPr wrap="none" rtlCol="0">
+              <a:spAutoFit/>
+            </a:bodyPr>
+            <a:lstStyle/>
+            <a:p>
+              <a:r>
+                <a:rPr lang="en-US" sz="900" dirty="0"/>
+                <a:t>Black-box optimization</a:t>
+              </a:r>
+            </a:p>
+          </p:txBody>
+        </p:sp>
+        <p:sp>
+          <p:nvSpPr>
+            <p:cNvPr id="27" name="Oval 26">
+              <a:extLst>
+                <a:ext uri="{FF2B5EF4-FFF2-40B4-BE49-F238E27FC236}">
+                  <a16:creationId xmlns:a16="http://schemas.microsoft.com/office/drawing/2014/main" id="{F7DBEC7B-B7E0-762D-BC8C-BDD1EFBDC76D}"/>
+                </a:ext>
+              </a:extLst>
+            </p:cNvPr>
+            <p:cNvSpPr/>
+            <p:nvPr/>
+          </p:nvSpPr>
+          <p:spPr>
+            <a:xfrm>
+              <a:off x="7584049" y="3714307"/>
+              <a:ext cx="45719" cy="45719"/>
+            </a:xfrm>
+            <a:prstGeom prst="ellipse">
+              <a:avLst/>
+            </a:prstGeom>
+            <a:ln>
+              <a:noFill/>
+            </a:ln>
+          </p:spPr>
+          <p:style>
+            <a:lnRef idx="2">
+              <a:schemeClr val="accent1">
+                <a:shade val="15000"/>
+              </a:schemeClr>
+            </a:lnRef>
+            <a:fillRef idx="1">
+              <a:schemeClr val="accent1"/>
+            </a:fillRef>
+            <a:effectRef idx="0">
+              <a:schemeClr val="accent1"/>
+            </a:effectRef>
+            <a:fontRef idx="minor">
+              <a:schemeClr val="lt1"/>
+            </a:fontRef>
+          </p:style>
+          <p:txBody>
+            <a:bodyPr rtlCol="0" anchor="ctr"/>
+            <a:lstStyle/>
+            <a:p>
+              <a:pPr algn="ctr"/>
+              <a:endParaRPr lang="en-US"/>
+            </a:p>
+          </p:txBody>
+        </p:sp>
+        <p:sp>
+          <p:nvSpPr>
+            <p:cNvPr id="28" name="Oval 27">
+              <a:extLst>
+                <a:ext uri="{FF2B5EF4-FFF2-40B4-BE49-F238E27FC236}">
+                  <a16:creationId xmlns:a16="http://schemas.microsoft.com/office/drawing/2014/main" id="{E2BDF3AF-30B2-806B-A167-CD64781921AB}"/>
+                </a:ext>
+              </a:extLst>
+            </p:cNvPr>
+            <p:cNvSpPr/>
+            <p:nvPr/>
+          </p:nvSpPr>
+          <p:spPr>
+            <a:xfrm>
+              <a:off x="7701524" y="3574778"/>
+              <a:ext cx="45719" cy="45719"/>
+            </a:xfrm>
+            <a:prstGeom prst="ellipse">
+              <a:avLst/>
+            </a:prstGeom>
+            <a:ln>
+              <a:noFill/>
+            </a:ln>
+          </p:spPr>
+          <p:style>
+            <a:lnRef idx="2">
+              <a:schemeClr val="accent1">
+                <a:shade val="15000"/>
+              </a:schemeClr>
+            </a:lnRef>
+            <a:fillRef idx="1">
+              <a:schemeClr val="accent1"/>
+            </a:fillRef>
+            <a:effectRef idx="0">
+              <a:schemeClr val="accent1"/>
+            </a:effectRef>
+            <a:fontRef idx="minor">
+              <a:schemeClr val="lt1"/>
+            </a:fontRef>
+          </p:style>
+          <p:txBody>
+            <a:bodyPr rtlCol="0" anchor="ctr"/>
+            <a:lstStyle/>
+            <a:p>
+              <a:pPr algn="ctr"/>
+              <a:endParaRPr lang="en-US"/>
+            </a:p>
+          </p:txBody>
+        </p:sp>
+        <p:sp>
+          <p:nvSpPr>
+            <p:cNvPr id="29" name="Oval 28">
+              <a:extLst>
+                <a:ext uri="{FF2B5EF4-FFF2-40B4-BE49-F238E27FC236}">
+                  <a16:creationId xmlns:a16="http://schemas.microsoft.com/office/drawing/2014/main" id="{B43A3E74-59FF-031F-9F0F-E703B790D06D}"/>
+                </a:ext>
+              </a:extLst>
+            </p:cNvPr>
+            <p:cNvSpPr/>
+            <p:nvPr/>
+          </p:nvSpPr>
+          <p:spPr>
+            <a:xfrm>
+              <a:off x="7850749" y="3873228"/>
+              <a:ext cx="45719" cy="45719"/>
+            </a:xfrm>
+            <a:prstGeom prst="ellipse">
+              <a:avLst/>
+            </a:prstGeom>
+            <a:ln>
+              <a:noFill/>
+            </a:ln>
+          </p:spPr>
+          <p:style>
+            <a:lnRef idx="2">
+              <a:schemeClr val="accent1">
+                <a:shade val="15000"/>
+              </a:schemeClr>
+            </a:lnRef>
+            <a:fillRef idx="1">
+              <a:schemeClr val="accent1"/>
+            </a:fillRef>
+            <a:effectRef idx="0">
+              <a:schemeClr val="accent1"/>
+            </a:effectRef>
+            <a:fontRef idx="minor">
+              <a:schemeClr val="lt1"/>
+            </a:fontRef>
+          </p:style>
+          <p:txBody>
+            <a:bodyPr rtlCol="0" anchor="ctr"/>
+            <a:lstStyle/>
+            <a:p>
+              <a:pPr algn="ctr"/>
+              <a:endParaRPr lang="en-US"/>
+            </a:p>
+          </p:txBody>
+        </p:sp>
+        <p:sp>
+          <p:nvSpPr>
+            <p:cNvPr id="30" name="Oval 29">
+              <a:extLst>
+                <a:ext uri="{FF2B5EF4-FFF2-40B4-BE49-F238E27FC236}">
+                  <a16:creationId xmlns:a16="http://schemas.microsoft.com/office/drawing/2014/main" id="{BDF0FA69-D308-1FD5-0A63-4278097C96F0}"/>
+                </a:ext>
+              </a:extLst>
+            </p:cNvPr>
+            <p:cNvSpPr/>
+            <p:nvPr/>
+          </p:nvSpPr>
+          <p:spPr>
+            <a:xfrm>
+              <a:off x="7999693" y="3918947"/>
+              <a:ext cx="45719" cy="45719"/>
+            </a:xfrm>
+            <a:prstGeom prst="ellipse">
+              <a:avLst/>
+            </a:prstGeom>
+            <a:ln>
+              <a:noFill/>
+            </a:ln>
+          </p:spPr>
+          <p:style>
+            <a:lnRef idx="2">
+              <a:schemeClr val="accent1">
+                <a:shade val="15000"/>
+              </a:schemeClr>
+            </a:lnRef>
+            <a:fillRef idx="1">
+              <a:schemeClr val="accent1"/>
+            </a:fillRef>
+            <a:effectRef idx="0">
+              <a:schemeClr val="accent1"/>
+            </a:effectRef>
+            <a:fontRef idx="minor">
+              <a:schemeClr val="lt1"/>
+            </a:fontRef>
+          </p:style>
+          <p:txBody>
+            <a:bodyPr rtlCol="0" anchor="ctr"/>
+            <a:lstStyle/>
+            <a:p>
+              <a:pPr algn="ctr"/>
+              <a:endParaRPr lang="en-US"/>
+            </a:p>
+          </p:txBody>
+        </p:sp>
+        <p:sp>
+          <p:nvSpPr>
+            <p:cNvPr id="31" name="Oval 30">
+              <a:extLst>
+                <a:ext uri="{FF2B5EF4-FFF2-40B4-BE49-F238E27FC236}">
+                  <a16:creationId xmlns:a16="http://schemas.microsoft.com/office/drawing/2014/main" id="{3D071397-5CC4-0192-DDA0-43982C79C9A6}"/>
+                </a:ext>
+              </a:extLst>
+            </p:cNvPr>
+            <p:cNvSpPr/>
+            <p:nvPr/>
+          </p:nvSpPr>
+          <p:spPr>
+            <a:xfrm>
+              <a:off x="8099352" y="3715938"/>
+              <a:ext cx="45719" cy="45719"/>
+            </a:xfrm>
+            <a:prstGeom prst="ellipse">
+              <a:avLst/>
+            </a:prstGeom>
+            <a:ln>
+              <a:noFill/>
+            </a:ln>
+          </p:spPr>
+          <p:style>
+            <a:lnRef idx="2">
+              <a:schemeClr val="accent1">
+                <a:shade val="15000"/>
+              </a:schemeClr>
+            </a:lnRef>
+            <a:fillRef idx="1">
+              <a:schemeClr val="accent1"/>
+            </a:fillRef>
+            <a:effectRef idx="0">
+              <a:schemeClr val="accent1"/>
+            </a:effectRef>
+            <a:fontRef idx="minor">
+              <a:schemeClr val="lt1"/>
+            </a:fontRef>
+          </p:style>
+          <p:txBody>
+            <a:bodyPr rtlCol="0" anchor="ctr"/>
+            <a:lstStyle/>
+            <a:p>
+              <a:pPr algn="ctr"/>
+              <a:endParaRPr lang="en-US"/>
+            </a:p>
+          </p:txBody>
+        </p:sp>
+        <p:sp>
+          <p:nvSpPr>
+            <p:cNvPr id="32" name="Oval 31">
+              <a:extLst>
+                <a:ext uri="{FF2B5EF4-FFF2-40B4-BE49-F238E27FC236}">
+                  <a16:creationId xmlns:a16="http://schemas.microsoft.com/office/drawing/2014/main" id="{8B8D203E-DFF7-9A90-D275-396FBC21A7EA}"/>
+                </a:ext>
+              </a:extLst>
+            </p:cNvPr>
+            <p:cNvSpPr/>
+            <p:nvPr/>
+          </p:nvSpPr>
+          <p:spPr>
+            <a:xfrm>
+              <a:off x="8318427" y="3852190"/>
+              <a:ext cx="45719" cy="45719"/>
+            </a:xfrm>
+            <a:prstGeom prst="ellipse">
+              <a:avLst/>
+            </a:prstGeom>
+            <a:ln>
+              <a:noFill/>
+            </a:ln>
+          </p:spPr>
+          <p:style>
+            <a:lnRef idx="2">
+              <a:schemeClr val="accent1">
+                <a:shade val="15000"/>
+              </a:schemeClr>
+            </a:lnRef>
+            <a:fillRef idx="1">
+              <a:schemeClr val="accent1"/>
+            </a:fillRef>
+            <a:effectRef idx="0">
+              <a:schemeClr val="accent1"/>
+            </a:effectRef>
+            <a:fontRef idx="minor">
+              <a:schemeClr val="lt1"/>
+            </a:fontRef>
+          </p:style>
+          <p:txBody>
+            <a:bodyPr rtlCol="0" anchor="ctr"/>
+            <a:lstStyle/>
+            <a:p>
+              <a:pPr algn="ctr"/>
+              <a:endParaRPr lang="en-US"/>
+            </a:p>
+          </p:txBody>
+        </p:sp>
+        <p:sp>
+          <p:nvSpPr>
+            <p:cNvPr id="33" name="Oval 32">
+              <a:extLst>
+                <a:ext uri="{FF2B5EF4-FFF2-40B4-BE49-F238E27FC236}">
+                  <a16:creationId xmlns:a16="http://schemas.microsoft.com/office/drawing/2014/main" id="{AB9CA0CF-9BB2-64FA-7AEA-9F8CF7828405}"/>
+                </a:ext>
+              </a:extLst>
+            </p:cNvPr>
+            <p:cNvSpPr/>
+            <p:nvPr/>
+          </p:nvSpPr>
+          <p:spPr>
+            <a:xfrm>
+              <a:off x="8470827" y="4004590"/>
+              <a:ext cx="45719" cy="45719"/>
+            </a:xfrm>
+            <a:prstGeom prst="ellipse">
+              <a:avLst/>
+            </a:prstGeom>
+            <a:ln>
+              <a:noFill/>
+            </a:ln>
+          </p:spPr>
+          <p:style>
+            <a:lnRef idx="2">
+              <a:schemeClr val="accent1">
+                <a:shade val="15000"/>
+              </a:schemeClr>
+            </a:lnRef>
+            <a:fillRef idx="1">
+              <a:schemeClr val="accent1"/>
+            </a:fillRef>
+            <a:effectRef idx="0">
+              <a:schemeClr val="accent1"/>
+            </a:effectRef>
+            <a:fontRef idx="minor">
+              <a:schemeClr val="lt1"/>
+            </a:fontRef>
+          </p:style>
+          <p:txBody>
+            <a:bodyPr rtlCol="0" anchor="ctr"/>
+            <a:lstStyle/>
+            <a:p>
+              <a:pPr algn="ctr"/>
+              <a:endParaRPr lang="en-US"/>
+            </a:p>
+          </p:txBody>
+        </p:sp>
+        <p:sp>
+          <p:nvSpPr>
+            <p:cNvPr id="34" name="Oval 33">
+              <a:extLst>
+                <a:ext uri="{FF2B5EF4-FFF2-40B4-BE49-F238E27FC236}">
+                  <a16:creationId xmlns:a16="http://schemas.microsoft.com/office/drawing/2014/main" id="{A4C590C2-CF3F-D983-208D-D5DEE224946A}"/>
+                </a:ext>
+              </a:extLst>
+            </p:cNvPr>
+            <p:cNvSpPr/>
+            <p:nvPr/>
+          </p:nvSpPr>
+          <p:spPr>
+            <a:xfrm>
+              <a:off x="8632125" y="3706331"/>
+              <a:ext cx="45719" cy="45719"/>
+            </a:xfrm>
+            <a:prstGeom prst="ellipse">
+              <a:avLst/>
+            </a:prstGeom>
+            <a:ln>
+              <a:noFill/>
+            </a:ln>
+          </p:spPr>
+          <p:style>
+            <a:lnRef idx="2">
+              <a:schemeClr val="accent1">
+                <a:shade val="15000"/>
+              </a:schemeClr>
+            </a:lnRef>
+            <a:fillRef idx="1">
+              <a:schemeClr val="accent1"/>
+            </a:fillRef>
+            <a:effectRef idx="0">
+              <a:schemeClr val="accent1"/>
+            </a:effectRef>
+            <a:fontRef idx="minor">
+              <a:schemeClr val="lt1"/>
+            </a:fontRef>
+          </p:style>
+          <p:txBody>
+            <a:bodyPr rtlCol="0" anchor="ctr"/>
+            <a:lstStyle/>
+            <a:p>
+              <a:pPr algn="ctr"/>
+              <a:endParaRPr lang="en-US"/>
+            </a:p>
+          </p:txBody>
+        </p:sp>
+        <p:sp>
+          <p:nvSpPr>
+            <p:cNvPr id="35" name="Oval 34">
+              <a:extLst>
+                <a:ext uri="{FF2B5EF4-FFF2-40B4-BE49-F238E27FC236}">
+                  <a16:creationId xmlns:a16="http://schemas.microsoft.com/office/drawing/2014/main" id="{C1503567-947F-D11E-DCFE-1302CB898541}"/>
+                </a:ext>
+              </a:extLst>
+            </p:cNvPr>
+            <p:cNvSpPr/>
+            <p:nvPr/>
+          </p:nvSpPr>
+          <p:spPr>
+            <a:xfrm>
+              <a:off x="8854375" y="3816718"/>
+              <a:ext cx="45719" cy="45719"/>
+            </a:xfrm>
+            <a:prstGeom prst="ellipse">
+              <a:avLst/>
+            </a:prstGeom>
+            <a:ln>
+              <a:noFill/>
+            </a:ln>
+          </p:spPr>
+          <p:style>
+            <a:lnRef idx="2">
+              <a:schemeClr val="accent1">
+                <a:shade val="15000"/>
+              </a:schemeClr>
+            </a:lnRef>
+            <a:fillRef idx="1">
+              <a:schemeClr val="accent1"/>
+            </a:fillRef>
+            <a:effectRef idx="0">
+              <a:schemeClr val="accent1"/>
+            </a:effectRef>
+            <a:fontRef idx="minor">
+              <a:schemeClr val="lt1"/>
+            </a:fontRef>
+          </p:style>
+          <p:txBody>
+            <a:bodyPr rtlCol="0" anchor="ctr"/>
+            <a:lstStyle/>
+            <a:p>
+              <a:pPr algn="ctr"/>
+              <a:endParaRPr lang="en-US"/>
+            </a:p>
+          </p:txBody>
+        </p:sp>
+        <p:sp>
+          <p:nvSpPr>
+            <p:cNvPr id="36" name="Oval 35">
+              <a:extLst>
+                <a:ext uri="{FF2B5EF4-FFF2-40B4-BE49-F238E27FC236}">
+                  <a16:creationId xmlns:a16="http://schemas.microsoft.com/office/drawing/2014/main" id="{7007E79A-421B-6DA3-EBC2-7F8ABFDBA9B5}"/>
+                </a:ext>
+              </a:extLst>
+            </p:cNvPr>
+            <p:cNvSpPr/>
+            <p:nvPr/>
+          </p:nvSpPr>
+          <p:spPr>
+            <a:xfrm>
+              <a:off x="8930931" y="3981730"/>
+              <a:ext cx="45719" cy="45719"/>
+            </a:xfrm>
+            <a:prstGeom prst="ellipse">
+              <a:avLst/>
+            </a:prstGeom>
+            <a:ln>
+              <a:noFill/>
+            </a:ln>
+          </p:spPr>
+          <p:style>
+            <a:lnRef idx="2">
+              <a:schemeClr val="accent1">
+                <a:shade val="15000"/>
+              </a:schemeClr>
+            </a:lnRef>
+            <a:fillRef idx="1">
+              <a:schemeClr val="accent1"/>
+            </a:fillRef>
+            <a:effectRef idx="0">
+              <a:schemeClr val="accent1"/>
+            </a:effectRef>
+            <a:fontRef idx="minor">
+              <a:schemeClr val="lt1"/>
+            </a:fontRef>
+          </p:style>
+          <p:txBody>
+            <a:bodyPr rtlCol="0" anchor="ctr"/>
+            <a:lstStyle/>
+            <a:p>
+              <a:pPr algn="ctr"/>
+              <a:endParaRPr lang="en-US"/>
+            </a:p>
+          </p:txBody>
+        </p:sp>
+        <p:sp>
+          <p:nvSpPr>
+            <p:cNvPr id="37" name="Oval 36">
+              <a:extLst>
+                <a:ext uri="{FF2B5EF4-FFF2-40B4-BE49-F238E27FC236}">
+                  <a16:creationId xmlns:a16="http://schemas.microsoft.com/office/drawing/2014/main" id="{7ED87B37-21DB-9A4E-DB76-3DD276009401}"/>
+                </a:ext>
+              </a:extLst>
+            </p:cNvPr>
+            <p:cNvSpPr/>
+            <p:nvPr/>
+          </p:nvSpPr>
+          <p:spPr>
+            <a:xfrm>
+              <a:off x="9147540" y="3820807"/>
+              <a:ext cx="45719" cy="45719"/>
+            </a:xfrm>
+            <a:prstGeom prst="ellipse">
+              <a:avLst/>
+            </a:prstGeom>
+            <a:ln>
+              <a:noFill/>
+            </a:ln>
+          </p:spPr>
+          <p:style>
+            <a:lnRef idx="2">
+              <a:schemeClr val="accent1">
+                <a:shade val="15000"/>
+              </a:schemeClr>
+            </a:lnRef>
+            <a:fillRef idx="1">
+              <a:schemeClr val="accent1"/>
+            </a:fillRef>
+            <a:effectRef idx="0">
+              <a:schemeClr val="accent1"/>
+            </a:effectRef>
+            <a:fontRef idx="minor">
+              <a:schemeClr val="lt1"/>
+            </a:fontRef>
+          </p:style>
+          <p:txBody>
+            <a:bodyPr rtlCol="0" anchor="ctr"/>
+            <a:lstStyle/>
+            <a:p>
+              <a:pPr algn="ctr"/>
+              <a:endParaRPr lang="en-US"/>
+            </a:p>
+          </p:txBody>
+        </p:sp>
+        <p:sp>
+          <p:nvSpPr>
+            <p:cNvPr id="38" name="Oval 37">
+              <a:extLst>
+                <a:ext uri="{FF2B5EF4-FFF2-40B4-BE49-F238E27FC236}">
+                  <a16:creationId xmlns:a16="http://schemas.microsoft.com/office/drawing/2014/main" id="{6571254D-6DF8-EF96-7821-EEF4A650D91F}"/>
+                </a:ext>
+              </a:extLst>
+            </p:cNvPr>
+            <p:cNvSpPr/>
+            <p:nvPr/>
+          </p:nvSpPr>
+          <p:spPr>
+            <a:xfrm>
+              <a:off x="9328515" y="3918947"/>
+              <a:ext cx="45719" cy="45719"/>
+            </a:xfrm>
+            <a:prstGeom prst="ellipse">
+              <a:avLst/>
+            </a:prstGeom>
+            <a:ln>
+              <a:noFill/>
+            </a:ln>
+          </p:spPr>
+          <p:style>
+            <a:lnRef idx="2">
+              <a:schemeClr val="accent1">
+                <a:shade val="15000"/>
+              </a:schemeClr>
+            </a:lnRef>
+            <a:fillRef idx="1">
+              <a:schemeClr val="accent1"/>
+            </a:fillRef>
+            <a:effectRef idx="0">
+              <a:schemeClr val="accent1"/>
+            </a:effectRef>
+            <a:fontRef idx="minor">
+              <a:schemeClr val="lt1"/>
+            </a:fontRef>
+          </p:style>
+          <p:txBody>
+            <a:bodyPr rtlCol="0" anchor="ctr"/>
+            <a:lstStyle/>
+            <a:p>
+              <a:pPr algn="ctr"/>
+              <a:endParaRPr lang="en-US"/>
+            </a:p>
+          </p:txBody>
+        </p:sp>
+        <p:sp>
+          <p:nvSpPr>
+            <p:cNvPr id="39" name="Oval 38">
+              <a:extLst>
+                <a:ext uri="{FF2B5EF4-FFF2-40B4-BE49-F238E27FC236}">
+                  <a16:creationId xmlns:a16="http://schemas.microsoft.com/office/drawing/2014/main" id="{120DC6A1-227B-B482-6130-97E4DC6A47DE}"/>
+                </a:ext>
+              </a:extLst>
+            </p:cNvPr>
+            <p:cNvSpPr/>
+            <p:nvPr/>
+          </p:nvSpPr>
+          <p:spPr>
+            <a:xfrm>
+              <a:off x="9544415" y="3896087"/>
+              <a:ext cx="45719" cy="45719"/>
+            </a:xfrm>
+            <a:prstGeom prst="ellipse">
+              <a:avLst/>
+            </a:prstGeom>
+            <a:ln>
+              <a:noFill/>
+            </a:ln>
+          </p:spPr>
+          <p:style>
+            <a:lnRef idx="2">
+              <a:schemeClr val="accent1">
+                <a:shade val="15000"/>
+              </a:schemeClr>
+            </a:lnRef>
+            <a:fillRef idx="1">
+              <a:schemeClr val="accent1"/>
+            </a:fillRef>
+            <a:effectRef idx="0">
+              <a:schemeClr val="accent1"/>
+            </a:effectRef>
+            <a:fontRef idx="minor">
+              <a:schemeClr val="lt1"/>
+            </a:fontRef>
+          </p:style>
+          <p:txBody>
+            <a:bodyPr rtlCol="0" anchor="ctr"/>
+            <a:lstStyle/>
+            <a:p>
+              <a:pPr algn="ctr"/>
+              <a:endParaRPr lang="en-US"/>
+            </a:p>
+          </p:txBody>
+        </p:sp>
+        <p:sp>
+          <p:nvSpPr>
+            <p:cNvPr id="40" name="Oval 39">
+              <a:extLst>
+                <a:ext uri="{FF2B5EF4-FFF2-40B4-BE49-F238E27FC236}">
+                  <a16:creationId xmlns:a16="http://schemas.microsoft.com/office/drawing/2014/main" id="{6DD95E8C-712E-4DC7-2F81-255D9CF2BF84}"/>
+                </a:ext>
+              </a:extLst>
+            </p:cNvPr>
+            <p:cNvSpPr/>
+            <p:nvPr/>
+          </p:nvSpPr>
+          <p:spPr>
+            <a:xfrm>
+              <a:off x="9712690" y="4004589"/>
+              <a:ext cx="45719" cy="45719"/>
+            </a:xfrm>
+            <a:prstGeom prst="ellipse">
+              <a:avLst/>
+            </a:prstGeom>
+            <a:ln>
+              <a:noFill/>
+            </a:ln>
+          </p:spPr>
+          <p:style>
+            <a:lnRef idx="2">
+              <a:schemeClr val="accent1">
+                <a:shade val="15000"/>
+              </a:schemeClr>
+            </a:lnRef>
+            <a:fillRef idx="1">
+              <a:schemeClr val="accent1"/>
+            </a:fillRef>
+            <a:effectRef idx="0">
+              <a:schemeClr val="accent1"/>
+            </a:effectRef>
+            <a:fontRef idx="minor">
+              <a:schemeClr val="lt1"/>
+            </a:fontRef>
+          </p:style>
+          <p:txBody>
+            <a:bodyPr rtlCol="0" anchor="ctr"/>
+            <a:lstStyle/>
+            <a:p>
+              <a:pPr algn="ctr"/>
+              <a:endParaRPr lang="en-US"/>
+            </a:p>
+          </p:txBody>
+        </p:sp>
+        <p:sp>
+          <p:nvSpPr>
+            <p:cNvPr id="41" name="Oval 40">
+              <a:extLst>
+                <a:ext uri="{FF2B5EF4-FFF2-40B4-BE49-F238E27FC236}">
+                  <a16:creationId xmlns:a16="http://schemas.microsoft.com/office/drawing/2014/main" id="{F69EBE22-6C30-1030-38A4-A9FCC6B7DB80}"/>
+                </a:ext>
+              </a:extLst>
+            </p:cNvPr>
+            <p:cNvSpPr/>
+            <p:nvPr/>
+          </p:nvSpPr>
+          <p:spPr>
+            <a:xfrm>
+              <a:off x="9984636" y="3958870"/>
+              <a:ext cx="45719" cy="45719"/>
+            </a:xfrm>
+            <a:prstGeom prst="ellipse">
+              <a:avLst/>
+            </a:prstGeom>
+            <a:ln>
+              <a:noFill/>
+            </a:ln>
+          </p:spPr>
+          <p:style>
+            <a:lnRef idx="2">
+              <a:schemeClr val="accent1">
+                <a:shade val="15000"/>
+              </a:schemeClr>
+            </a:lnRef>
+            <a:fillRef idx="1">
+              <a:schemeClr val="accent1"/>
+            </a:fillRef>
+            <a:effectRef idx="0">
+              <a:schemeClr val="accent1"/>
+            </a:effectRef>
+            <a:fontRef idx="minor">
+              <a:schemeClr val="lt1"/>
+            </a:fontRef>
+          </p:style>
+          <p:txBody>
+            <a:bodyPr rtlCol="0" anchor="ctr"/>
+            <a:lstStyle/>
+            <a:p>
+              <a:pPr algn="ctr"/>
+              <a:endParaRPr lang="en-US"/>
+            </a:p>
+          </p:txBody>
+        </p:sp>
+        <p:sp>
+          <p:nvSpPr>
+            <p:cNvPr id="42" name="Oval 41">
+              <a:extLst>
+                <a:ext uri="{FF2B5EF4-FFF2-40B4-BE49-F238E27FC236}">
+                  <a16:creationId xmlns:a16="http://schemas.microsoft.com/office/drawing/2014/main" id="{CADAC56D-6362-1795-B8B4-1E9CF66B8D1D}"/>
+                </a:ext>
+              </a:extLst>
+            </p:cNvPr>
+            <p:cNvSpPr/>
+            <p:nvPr/>
+          </p:nvSpPr>
+          <p:spPr>
+            <a:xfrm>
+              <a:off x="10279911" y="4035800"/>
+              <a:ext cx="45719" cy="45719"/>
+            </a:xfrm>
+            <a:prstGeom prst="ellipse">
+              <a:avLst/>
+            </a:prstGeom>
+            <a:ln>
+              <a:noFill/>
+            </a:ln>
+          </p:spPr>
+          <p:style>
+            <a:lnRef idx="2">
+              <a:schemeClr val="accent1">
+                <a:shade val="15000"/>
+              </a:schemeClr>
+            </a:lnRef>
+            <a:fillRef idx="1">
+              <a:schemeClr val="accent1"/>
+            </a:fillRef>
+            <a:effectRef idx="0">
+              <a:schemeClr val="accent1"/>
+            </a:effectRef>
+            <a:fontRef idx="minor">
+              <a:schemeClr val="lt1"/>
+            </a:fontRef>
+          </p:style>
+          <p:txBody>
+            <a:bodyPr rtlCol="0" anchor="ctr"/>
+            <a:lstStyle/>
+            <a:p>
+              <a:pPr algn="ctr"/>
+              <a:endParaRPr lang="en-US"/>
+            </a:p>
+          </p:txBody>
+        </p:sp>
+      </p:grpSp>
+      <p:cxnSp>
+        <p:nvCxnSpPr>
+          <p:cNvPr id="45" name="Straight Connector 44">
+            <a:extLst>
+              <a:ext uri="{FF2B5EF4-FFF2-40B4-BE49-F238E27FC236}">
+                <a16:creationId xmlns:a16="http://schemas.microsoft.com/office/drawing/2014/main" id="{A3F3F785-E78C-BFAB-A437-47DB76DFDC87}"/>
+              </a:ext>
+            </a:extLst>
+          </p:cNvPr>
+          <p:cNvCxnSpPr/>
+          <p:nvPr/>
+        </p:nvCxnSpPr>
+        <p:spPr>
+          <a:xfrm>
+            <a:off x="7351778" y="1578250"/>
+            <a:ext cx="0" cy="1504223"/>
+          </a:xfrm>
+          <a:prstGeom prst="line">
+            <a:avLst/>
+          </a:prstGeom>
+          <a:ln>
+            <a:headEnd type="triangle"/>
+            <a:tailEnd type="none"/>
+          </a:ln>
+        </p:spPr>
+        <p:style>
+          <a:lnRef idx="1">
+            <a:schemeClr val="accent1"/>
+          </a:lnRef>
+          <a:fillRef idx="0">
+            <a:schemeClr val="accent1"/>
+          </a:fillRef>
+          <a:effectRef idx="0">
+            <a:schemeClr val="accent1"/>
+          </a:effectRef>
+          <a:fontRef idx="minor">
+            <a:schemeClr val="tx1"/>
+          </a:fontRef>
+        </p:style>
+      </p:cxnSp>
+      <p:cxnSp>
+        <p:nvCxnSpPr>
+          <p:cNvPr id="46" name="Straight Connector 45">
+            <a:extLst>
+              <a:ext uri="{FF2B5EF4-FFF2-40B4-BE49-F238E27FC236}">
+                <a16:creationId xmlns:a16="http://schemas.microsoft.com/office/drawing/2014/main" id="{A38E5D12-583F-022E-82F2-ACC216A624FA}"/>
+              </a:ext>
+            </a:extLst>
+          </p:cNvPr>
+          <p:cNvCxnSpPr>
+            <a:cxnSpLocks/>
+          </p:cNvCxnSpPr>
+          <p:nvPr/>
+        </p:nvCxnSpPr>
+        <p:spPr>
+          <a:xfrm>
+            <a:off x="7348287" y="3085963"/>
+            <a:ext cx="3350474" cy="0"/>
+          </a:xfrm>
+          <a:prstGeom prst="line">
+            <a:avLst/>
+          </a:prstGeom>
+          <a:ln>
+            <a:prstDash val="solid"/>
+            <a:tailEnd type="triangle"/>
+          </a:ln>
+        </p:spPr>
+        <p:style>
+          <a:lnRef idx="1">
+            <a:schemeClr val="accent1"/>
+          </a:lnRef>
+          <a:fillRef idx="0">
+            <a:schemeClr val="accent1"/>
+          </a:fillRef>
+          <a:effectRef idx="0">
+            <a:schemeClr val="accent1"/>
+          </a:effectRef>
+          <a:fontRef idx="minor">
+            <a:schemeClr val="tx1"/>
+          </a:fontRef>
+        </p:style>
+      </p:cxnSp>
+      <p:sp>
+        <p:nvSpPr>
+          <p:cNvPr id="47" name="TextBox 46">
+            <a:extLst>
+              <a:ext uri="{FF2B5EF4-FFF2-40B4-BE49-F238E27FC236}">
+                <a16:creationId xmlns:a16="http://schemas.microsoft.com/office/drawing/2014/main" id="{42D67058-8A7B-9290-480A-C6D8B340AF3E}"/>
+              </a:ext>
+            </a:extLst>
+          </p:cNvPr>
+          <p:cNvSpPr txBox="1"/>
+          <p:nvPr/>
+        </p:nvSpPr>
+        <p:spPr>
+          <a:xfrm>
+            <a:off x="8050717" y="2648054"/>
+            <a:ext cx="1257075" cy="230832"/>
+          </a:xfrm>
+          <a:prstGeom prst="rect">
+            <a:avLst/>
+          </a:prstGeom>
+          <a:noFill/>
+        </p:spPr>
+        <p:txBody>
+          <a:bodyPr wrap="none" rtlCol="0">
+            <a:spAutoFit/>
+          </a:bodyPr>
+          <a:lstStyle/>
+          <a:p>
+            <a:r>
+              <a:rPr lang="en-US" sz="900" dirty="0"/>
+              <a:t>Black-box optimization</a:t>
+            </a:r>
+          </a:p>
+        </p:txBody>
+      </p:sp>
+      <p:sp>
+        <p:nvSpPr>
+          <p:cNvPr id="49" name="Oval 48">
+            <a:extLst>
+              <a:ext uri="{FF2B5EF4-FFF2-40B4-BE49-F238E27FC236}">
+                <a16:creationId xmlns:a16="http://schemas.microsoft.com/office/drawing/2014/main" id="{70C73989-C932-9E07-A381-A324188FCA5C}"/>
+              </a:ext>
+            </a:extLst>
+          </p:cNvPr>
+          <p:cNvSpPr/>
+          <p:nvPr/>
+        </p:nvSpPr>
+        <p:spPr>
+          <a:xfrm>
+            <a:off x="7773003" y="1764164"/>
+            <a:ext cx="45719" cy="45719"/>
+          </a:xfrm>
+          <a:prstGeom prst="ellipse">
+            <a:avLst/>
+          </a:prstGeom>
+          <a:ln>
+            <a:noFill/>
+          </a:ln>
+        </p:spPr>
+        <p:style>
+          <a:lnRef idx="2">
+            <a:schemeClr val="accent1">
+              <a:shade val="15000"/>
+            </a:schemeClr>
+          </a:lnRef>
+          <a:fillRef idx="1">
+            <a:schemeClr val="accent1"/>
+          </a:fillRef>
+          <a:effectRef idx="0">
+            <a:schemeClr val="accent1"/>
+          </a:effectRef>
+          <a:fontRef idx="minor">
+            <a:schemeClr val="lt1"/>
+          </a:fontRef>
+        </p:style>
+        <p:txBody>
+          <a:bodyPr rtlCol="0" anchor="ctr"/>
+          <a:lstStyle/>
+          <a:p>
+            <a:pPr algn="ctr"/>
+            <a:endParaRPr lang="en-US"/>
+          </a:p>
+        </p:txBody>
+      </p:sp>
+      <p:sp>
+        <p:nvSpPr>
+          <p:cNvPr id="50" name="Oval 49">
+            <a:extLst>
+              <a:ext uri="{FF2B5EF4-FFF2-40B4-BE49-F238E27FC236}">
+                <a16:creationId xmlns:a16="http://schemas.microsoft.com/office/drawing/2014/main" id="{560A92D9-32E7-445C-3F36-BF2AFA638968}"/>
+              </a:ext>
+            </a:extLst>
+          </p:cNvPr>
+          <p:cNvSpPr/>
+          <p:nvPr/>
+        </p:nvSpPr>
+        <p:spPr>
+          <a:xfrm>
+            <a:off x="7922228" y="2062614"/>
+            <a:ext cx="45719" cy="45719"/>
+          </a:xfrm>
+          <a:prstGeom prst="ellipse">
+            <a:avLst/>
+          </a:prstGeom>
+          <a:ln>
+            <a:noFill/>
+          </a:ln>
+        </p:spPr>
+        <p:style>
+          <a:lnRef idx="2">
+            <a:schemeClr val="accent1">
+              <a:shade val="15000"/>
+            </a:schemeClr>
+          </a:lnRef>
+          <a:fillRef idx="1">
+            <a:schemeClr val="accent1"/>
+          </a:fillRef>
+          <a:effectRef idx="0">
+            <a:schemeClr val="accent1"/>
+          </a:effectRef>
+          <a:fontRef idx="minor">
+            <a:schemeClr val="lt1"/>
+          </a:fontRef>
+        </p:style>
+        <p:txBody>
+          <a:bodyPr rtlCol="0" anchor="ctr"/>
+          <a:lstStyle/>
+          <a:p>
+            <a:pPr algn="ctr"/>
+            <a:endParaRPr lang="en-US"/>
+          </a:p>
+        </p:txBody>
+      </p:sp>
+      <p:sp>
+        <p:nvSpPr>
+          <p:cNvPr id="51" name="Oval 50">
+            <a:extLst>
+              <a:ext uri="{FF2B5EF4-FFF2-40B4-BE49-F238E27FC236}">
+                <a16:creationId xmlns:a16="http://schemas.microsoft.com/office/drawing/2014/main" id="{56239F1F-C23C-9849-63CC-A65EA1CF7154}"/>
+              </a:ext>
+            </a:extLst>
+          </p:cNvPr>
+          <p:cNvSpPr/>
+          <p:nvPr/>
+        </p:nvSpPr>
+        <p:spPr>
+          <a:xfrm>
+            <a:off x="8071172" y="2108333"/>
+            <a:ext cx="45719" cy="45719"/>
+          </a:xfrm>
+          <a:prstGeom prst="ellipse">
+            <a:avLst/>
+          </a:prstGeom>
+          <a:ln>
+            <a:noFill/>
+          </a:ln>
+        </p:spPr>
+        <p:style>
+          <a:lnRef idx="2">
+            <a:schemeClr val="accent1">
+              <a:shade val="15000"/>
+            </a:schemeClr>
+          </a:lnRef>
+          <a:fillRef idx="1">
+            <a:schemeClr val="accent1"/>
+          </a:fillRef>
+          <a:effectRef idx="0">
+            <a:schemeClr val="accent1"/>
+          </a:effectRef>
+          <a:fontRef idx="minor">
+            <a:schemeClr val="lt1"/>
+          </a:fontRef>
+        </p:style>
+        <p:txBody>
+          <a:bodyPr rtlCol="0" anchor="ctr"/>
+          <a:lstStyle/>
+          <a:p>
+            <a:pPr algn="ctr"/>
+            <a:endParaRPr lang="en-US"/>
+          </a:p>
+        </p:txBody>
+      </p:sp>
+      <p:sp>
+        <p:nvSpPr>
+          <p:cNvPr id="52" name="Oval 51">
+            <a:extLst>
+              <a:ext uri="{FF2B5EF4-FFF2-40B4-BE49-F238E27FC236}">
+                <a16:creationId xmlns:a16="http://schemas.microsoft.com/office/drawing/2014/main" id="{80D9FF51-4305-3949-7247-40D927F936EF}"/>
+              </a:ext>
+            </a:extLst>
+          </p:cNvPr>
+          <p:cNvSpPr/>
+          <p:nvPr/>
+        </p:nvSpPr>
+        <p:spPr>
+          <a:xfrm>
+            <a:off x="8170831" y="1905324"/>
+            <a:ext cx="45719" cy="45719"/>
+          </a:xfrm>
+          <a:prstGeom prst="ellipse">
+            <a:avLst/>
+          </a:prstGeom>
+          <a:ln>
+            <a:noFill/>
+          </a:ln>
+        </p:spPr>
+        <p:style>
+          <a:lnRef idx="2">
+            <a:schemeClr val="accent1">
+              <a:shade val="15000"/>
+            </a:schemeClr>
+          </a:lnRef>
+          <a:fillRef idx="1">
+            <a:schemeClr val="accent1"/>
+          </a:fillRef>
+          <a:effectRef idx="0">
+            <a:schemeClr val="accent1"/>
+          </a:effectRef>
+          <a:fontRef idx="minor">
+            <a:schemeClr val="lt1"/>
+          </a:fontRef>
+        </p:style>
+        <p:txBody>
+          <a:bodyPr rtlCol="0" anchor="ctr"/>
+          <a:lstStyle/>
+          <a:p>
+            <a:pPr algn="ctr"/>
+            <a:endParaRPr lang="en-US"/>
+          </a:p>
+        </p:txBody>
+      </p:sp>
+      <p:sp>
+        <p:nvSpPr>
+          <p:cNvPr id="53" name="Oval 52">
+            <a:extLst>
+              <a:ext uri="{FF2B5EF4-FFF2-40B4-BE49-F238E27FC236}">
+                <a16:creationId xmlns:a16="http://schemas.microsoft.com/office/drawing/2014/main" id="{ED246751-2A75-9229-2568-5C258A6AA906}"/>
+              </a:ext>
+            </a:extLst>
+          </p:cNvPr>
+          <p:cNvSpPr/>
+          <p:nvPr/>
+        </p:nvSpPr>
+        <p:spPr>
+          <a:xfrm>
+            <a:off x="8389906" y="2041576"/>
+            <a:ext cx="45719" cy="45719"/>
+          </a:xfrm>
+          <a:prstGeom prst="ellipse">
+            <a:avLst/>
+          </a:prstGeom>
+          <a:ln>
+            <a:noFill/>
+          </a:ln>
+        </p:spPr>
+        <p:style>
+          <a:lnRef idx="2">
+            <a:schemeClr val="accent1">
+              <a:shade val="15000"/>
+            </a:schemeClr>
+          </a:lnRef>
+          <a:fillRef idx="1">
+            <a:schemeClr val="accent1"/>
+          </a:fillRef>
+          <a:effectRef idx="0">
+            <a:schemeClr val="accent1"/>
+          </a:effectRef>
+          <a:fontRef idx="minor">
+            <a:schemeClr val="lt1"/>
+          </a:fontRef>
+        </p:style>
+        <p:txBody>
+          <a:bodyPr rtlCol="0" anchor="ctr"/>
+          <a:lstStyle/>
+          <a:p>
+            <a:pPr algn="ctr"/>
+            <a:endParaRPr lang="en-US"/>
+          </a:p>
+        </p:txBody>
+      </p:sp>
+      <p:sp>
+        <p:nvSpPr>
+          <p:cNvPr id="54" name="Oval 53">
+            <a:extLst>
+              <a:ext uri="{FF2B5EF4-FFF2-40B4-BE49-F238E27FC236}">
+                <a16:creationId xmlns:a16="http://schemas.microsoft.com/office/drawing/2014/main" id="{C535EC8A-8A41-3EFC-1B68-8DABE458F95F}"/>
+              </a:ext>
+            </a:extLst>
+          </p:cNvPr>
+          <p:cNvSpPr/>
+          <p:nvPr/>
+        </p:nvSpPr>
+        <p:spPr>
+          <a:xfrm>
+            <a:off x="8542306" y="2193976"/>
+            <a:ext cx="45719" cy="45719"/>
+          </a:xfrm>
+          <a:prstGeom prst="ellipse">
+            <a:avLst/>
+          </a:prstGeom>
+          <a:ln>
+            <a:noFill/>
+          </a:ln>
+        </p:spPr>
+        <p:style>
+          <a:lnRef idx="2">
+            <a:schemeClr val="accent1">
+              <a:shade val="15000"/>
+            </a:schemeClr>
+          </a:lnRef>
+          <a:fillRef idx="1">
+            <a:schemeClr val="accent1"/>
+          </a:fillRef>
+          <a:effectRef idx="0">
+            <a:schemeClr val="accent1"/>
+          </a:effectRef>
+          <a:fontRef idx="minor">
+            <a:schemeClr val="lt1"/>
+          </a:fontRef>
+        </p:style>
+        <p:txBody>
+          <a:bodyPr rtlCol="0" anchor="ctr"/>
+          <a:lstStyle/>
+          <a:p>
+            <a:pPr algn="ctr"/>
+            <a:endParaRPr lang="en-US"/>
+          </a:p>
+        </p:txBody>
+      </p:sp>
+      <p:sp>
+        <p:nvSpPr>
+          <p:cNvPr id="55" name="Oval 54">
+            <a:extLst>
+              <a:ext uri="{FF2B5EF4-FFF2-40B4-BE49-F238E27FC236}">
+                <a16:creationId xmlns:a16="http://schemas.microsoft.com/office/drawing/2014/main" id="{C693B537-2BA8-C3CF-8188-63DF5B3E6E10}"/>
+              </a:ext>
+            </a:extLst>
+          </p:cNvPr>
+          <p:cNvSpPr/>
+          <p:nvPr/>
+        </p:nvSpPr>
+        <p:spPr>
+          <a:xfrm>
+            <a:off x="8703604" y="1895717"/>
+            <a:ext cx="45719" cy="45719"/>
+          </a:xfrm>
+          <a:prstGeom prst="ellipse">
+            <a:avLst/>
+          </a:prstGeom>
+          <a:ln>
+            <a:noFill/>
+          </a:ln>
+        </p:spPr>
+        <p:style>
+          <a:lnRef idx="2">
+            <a:schemeClr val="accent1">
+              <a:shade val="15000"/>
+            </a:schemeClr>
+          </a:lnRef>
+          <a:fillRef idx="1">
+            <a:schemeClr val="accent1"/>
+          </a:fillRef>
+          <a:effectRef idx="0">
+            <a:schemeClr val="accent1"/>
+          </a:effectRef>
+          <a:fontRef idx="minor">
+            <a:schemeClr val="lt1"/>
+          </a:fontRef>
+        </p:style>
+        <p:txBody>
+          <a:bodyPr rtlCol="0" anchor="ctr"/>
+          <a:lstStyle/>
+          <a:p>
+            <a:pPr algn="ctr"/>
+            <a:endParaRPr lang="en-US"/>
+          </a:p>
+        </p:txBody>
+      </p:sp>
+      <p:sp>
+        <p:nvSpPr>
+          <p:cNvPr id="56" name="Oval 55">
+            <a:extLst>
+              <a:ext uri="{FF2B5EF4-FFF2-40B4-BE49-F238E27FC236}">
+                <a16:creationId xmlns:a16="http://schemas.microsoft.com/office/drawing/2014/main" id="{ED4AA452-9087-F723-576A-F1C14BE8048F}"/>
+              </a:ext>
+            </a:extLst>
+          </p:cNvPr>
+          <p:cNvSpPr/>
+          <p:nvPr/>
+        </p:nvSpPr>
+        <p:spPr>
+          <a:xfrm>
+            <a:off x="8925854" y="2006104"/>
+            <a:ext cx="45719" cy="45719"/>
+          </a:xfrm>
+          <a:prstGeom prst="ellipse">
+            <a:avLst/>
+          </a:prstGeom>
+          <a:ln>
+            <a:noFill/>
+          </a:ln>
+        </p:spPr>
+        <p:style>
+          <a:lnRef idx="2">
+            <a:schemeClr val="accent1">
+              <a:shade val="15000"/>
+            </a:schemeClr>
+          </a:lnRef>
+          <a:fillRef idx="1">
+            <a:schemeClr val="accent1"/>
+          </a:fillRef>
+          <a:effectRef idx="0">
+            <a:schemeClr val="accent1"/>
+          </a:effectRef>
+          <a:fontRef idx="minor">
+            <a:schemeClr val="lt1"/>
+          </a:fontRef>
+        </p:style>
+        <p:txBody>
+          <a:bodyPr rtlCol="0" anchor="ctr"/>
+          <a:lstStyle/>
+          <a:p>
+            <a:pPr algn="ctr"/>
+            <a:endParaRPr lang="en-US"/>
+          </a:p>
+        </p:txBody>
+      </p:sp>
+      <p:sp>
+        <p:nvSpPr>
+          <p:cNvPr id="57" name="Oval 56">
+            <a:extLst>
+              <a:ext uri="{FF2B5EF4-FFF2-40B4-BE49-F238E27FC236}">
+                <a16:creationId xmlns:a16="http://schemas.microsoft.com/office/drawing/2014/main" id="{70D380A0-ADA5-DAEA-E993-71BF87BC8625}"/>
+              </a:ext>
+            </a:extLst>
+          </p:cNvPr>
+          <p:cNvSpPr/>
+          <p:nvPr/>
+        </p:nvSpPr>
+        <p:spPr>
+          <a:xfrm>
+            <a:off x="9002410" y="2171116"/>
+            <a:ext cx="45719" cy="45719"/>
+          </a:xfrm>
+          <a:prstGeom prst="ellipse">
+            <a:avLst/>
+          </a:prstGeom>
+          <a:ln>
+            <a:noFill/>
+          </a:ln>
+        </p:spPr>
+        <p:style>
+          <a:lnRef idx="2">
+            <a:schemeClr val="accent1">
+              <a:shade val="15000"/>
+            </a:schemeClr>
+          </a:lnRef>
+          <a:fillRef idx="1">
+            <a:schemeClr val="accent1"/>
+          </a:fillRef>
+          <a:effectRef idx="0">
+            <a:schemeClr val="accent1"/>
+          </a:effectRef>
+          <a:fontRef idx="minor">
+            <a:schemeClr val="lt1"/>
+          </a:fontRef>
+        </p:style>
+        <p:txBody>
+          <a:bodyPr rtlCol="0" anchor="ctr"/>
+          <a:lstStyle/>
+          <a:p>
+            <a:pPr algn="ctr"/>
+            <a:endParaRPr lang="en-US"/>
+          </a:p>
+        </p:txBody>
+      </p:sp>
+      <p:sp>
+        <p:nvSpPr>
+          <p:cNvPr id="58" name="Oval 57">
+            <a:extLst>
+              <a:ext uri="{FF2B5EF4-FFF2-40B4-BE49-F238E27FC236}">
+                <a16:creationId xmlns:a16="http://schemas.microsoft.com/office/drawing/2014/main" id="{3206E9D2-B7F3-919D-5377-77AA210BFADA}"/>
+              </a:ext>
+            </a:extLst>
+          </p:cNvPr>
+          <p:cNvSpPr/>
+          <p:nvPr/>
+        </p:nvSpPr>
+        <p:spPr>
+          <a:xfrm>
+            <a:off x="9219019" y="2010193"/>
+            <a:ext cx="45719" cy="45719"/>
+          </a:xfrm>
+          <a:prstGeom prst="ellipse">
+            <a:avLst/>
+          </a:prstGeom>
+          <a:ln>
+            <a:noFill/>
+          </a:ln>
+        </p:spPr>
+        <p:style>
+          <a:lnRef idx="2">
+            <a:schemeClr val="accent1">
+              <a:shade val="15000"/>
+            </a:schemeClr>
+          </a:lnRef>
+          <a:fillRef idx="1">
+            <a:schemeClr val="accent1"/>
+          </a:fillRef>
+          <a:effectRef idx="0">
+            <a:schemeClr val="accent1"/>
+          </a:effectRef>
+          <a:fontRef idx="minor">
+            <a:schemeClr val="lt1"/>
+          </a:fontRef>
+        </p:style>
+        <p:txBody>
+          <a:bodyPr rtlCol="0" anchor="ctr"/>
+          <a:lstStyle/>
+          <a:p>
+            <a:pPr algn="ctr"/>
+            <a:endParaRPr lang="en-US"/>
+          </a:p>
+        </p:txBody>
+      </p:sp>
+      <p:sp>
+        <p:nvSpPr>
+          <p:cNvPr id="59" name="Oval 58">
+            <a:extLst>
+              <a:ext uri="{FF2B5EF4-FFF2-40B4-BE49-F238E27FC236}">
+                <a16:creationId xmlns:a16="http://schemas.microsoft.com/office/drawing/2014/main" id="{55D075B7-06C8-CA72-8B6A-9A40946FBBBD}"/>
+              </a:ext>
+            </a:extLst>
+          </p:cNvPr>
+          <p:cNvSpPr/>
+          <p:nvPr/>
+        </p:nvSpPr>
+        <p:spPr>
+          <a:xfrm>
+            <a:off x="9399994" y="2108333"/>
+            <a:ext cx="45719" cy="45719"/>
+          </a:xfrm>
+          <a:prstGeom prst="ellipse">
+            <a:avLst/>
+          </a:prstGeom>
+          <a:ln>
+            <a:noFill/>
+          </a:ln>
+        </p:spPr>
+        <p:style>
+          <a:lnRef idx="2">
+            <a:schemeClr val="accent1">
+              <a:shade val="15000"/>
+            </a:schemeClr>
+          </a:lnRef>
+          <a:fillRef idx="1">
+            <a:schemeClr val="accent1"/>
+          </a:fillRef>
+          <a:effectRef idx="0">
+            <a:schemeClr val="accent1"/>
+          </a:effectRef>
+          <a:fontRef idx="minor">
+            <a:schemeClr val="lt1"/>
+          </a:fontRef>
+        </p:style>
+        <p:txBody>
+          <a:bodyPr rtlCol="0" anchor="ctr"/>
+          <a:lstStyle/>
+          <a:p>
+            <a:pPr algn="ctr"/>
+            <a:endParaRPr lang="en-US"/>
+          </a:p>
+        </p:txBody>
+      </p:sp>
+      <p:sp>
+        <p:nvSpPr>
+          <p:cNvPr id="60" name="Oval 59">
+            <a:extLst>
+              <a:ext uri="{FF2B5EF4-FFF2-40B4-BE49-F238E27FC236}">
+                <a16:creationId xmlns:a16="http://schemas.microsoft.com/office/drawing/2014/main" id="{B91FBEAB-03C6-A986-CA71-BF3E7A603B0C}"/>
+              </a:ext>
+            </a:extLst>
+          </p:cNvPr>
+          <p:cNvSpPr/>
+          <p:nvPr/>
+        </p:nvSpPr>
+        <p:spPr>
+          <a:xfrm>
+            <a:off x="9615894" y="2085473"/>
+            <a:ext cx="45719" cy="45719"/>
+          </a:xfrm>
+          <a:prstGeom prst="ellipse">
+            <a:avLst/>
+          </a:prstGeom>
+          <a:ln>
+            <a:noFill/>
+          </a:ln>
+        </p:spPr>
+        <p:style>
+          <a:lnRef idx="2">
+            <a:schemeClr val="accent1">
+              <a:shade val="15000"/>
+            </a:schemeClr>
+          </a:lnRef>
+          <a:fillRef idx="1">
+            <a:schemeClr val="accent1"/>
+          </a:fillRef>
+          <a:effectRef idx="0">
+            <a:schemeClr val="accent1"/>
+          </a:effectRef>
+          <a:fontRef idx="minor">
+            <a:schemeClr val="lt1"/>
+          </a:fontRef>
+        </p:style>
+        <p:txBody>
+          <a:bodyPr rtlCol="0" anchor="ctr"/>
+          <a:lstStyle/>
+          <a:p>
+            <a:pPr algn="ctr"/>
+            <a:endParaRPr lang="en-US"/>
+          </a:p>
+        </p:txBody>
+      </p:sp>
+      <p:sp>
+        <p:nvSpPr>
+          <p:cNvPr id="61" name="Oval 60">
+            <a:extLst>
+              <a:ext uri="{FF2B5EF4-FFF2-40B4-BE49-F238E27FC236}">
+                <a16:creationId xmlns:a16="http://schemas.microsoft.com/office/drawing/2014/main" id="{78860053-C259-6E21-476C-418B7216710E}"/>
+              </a:ext>
+            </a:extLst>
+          </p:cNvPr>
+          <p:cNvSpPr/>
+          <p:nvPr/>
+        </p:nvSpPr>
+        <p:spPr>
+          <a:xfrm>
+            <a:off x="9784169" y="2193975"/>
+            <a:ext cx="45719" cy="45719"/>
+          </a:xfrm>
+          <a:prstGeom prst="ellipse">
+            <a:avLst/>
+          </a:prstGeom>
+          <a:ln>
+            <a:noFill/>
+          </a:ln>
+        </p:spPr>
+        <p:style>
+          <a:lnRef idx="2">
+            <a:schemeClr val="accent1">
+              <a:shade val="15000"/>
+            </a:schemeClr>
+          </a:lnRef>
+          <a:fillRef idx="1">
+            <a:schemeClr val="accent1"/>
+          </a:fillRef>
+          <a:effectRef idx="0">
+            <a:schemeClr val="accent1"/>
+          </a:effectRef>
+          <a:fontRef idx="minor">
+            <a:schemeClr val="lt1"/>
+          </a:fontRef>
+        </p:style>
+        <p:txBody>
+          <a:bodyPr rtlCol="0" anchor="ctr"/>
+          <a:lstStyle/>
+          <a:p>
+            <a:pPr algn="ctr"/>
+            <a:endParaRPr lang="en-US"/>
+          </a:p>
+        </p:txBody>
+      </p:sp>
+      <p:sp>
+        <p:nvSpPr>
+          <p:cNvPr id="62" name="Oval 61">
+            <a:extLst>
+              <a:ext uri="{FF2B5EF4-FFF2-40B4-BE49-F238E27FC236}">
+                <a16:creationId xmlns:a16="http://schemas.microsoft.com/office/drawing/2014/main" id="{CDA01BE5-3D54-3602-8047-3F28023EB25C}"/>
+              </a:ext>
+            </a:extLst>
+          </p:cNvPr>
+          <p:cNvSpPr/>
+          <p:nvPr/>
+        </p:nvSpPr>
+        <p:spPr>
+          <a:xfrm>
+            <a:off x="10056115" y="2148256"/>
+            <a:ext cx="45719" cy="45719"/>
+          </a:xfrm>
+          <a:prstGeom prst="ellipse">
+            <a:avLst/>
+          </a:prstGeom>
+          <a:ln>
+            <a:noFill/>
+          </a:ln>
+        </p:spPr>
+        <p:style>
+          <a:lnRef idx="2">
+            <a:schemeClr val="accent1">
+              <a:shade val="15000"/>
+            </a:schemeClr>
+          </a:lnRef>
+          <a:fillRef idx="1">
+            <a:schemeClr val="accent1"/>
+          </a:fillRef>
+          <a:effectRef idx="0">
+            <a:schemeClr val="accent1"/>
+          </a:effectRef>
+          <a:fontRef idx="minor">
+            <a:schemeClr val="lt1"/>
+          </a:fontRef>
+        </p:style>
+        <p:txBody>
+          <a:bodyPr rtlCol="0" anchor="ctr"/>
+          <a:lstStyle/>
+          <a:p>
+            <a:pPr algn="ctr"/>
+            <a:endParaRPr lang="en-US"/>
+          </a:p>
+        </p:txBody>
+      </p:sp>
+      <p:sp>
+        <p:nvSpPr>
+          <p:cNvPr id="63" name="Oval 62">
+            <a:extLst>
+              <a:ext uri="{FF2B5EF4-FFF2-40B4-BE49-F238E27FC236}">
+                <a16:creationId xmlns:a16="http://schemas.microsoft.com/office/drawing/2014/main" id="{5A5159A0-3E55-2DCC-3B46-379C4A03C724}"/>
+              </a:ext>
+            </a:extLst>
+          </p:cNvPr>
+          <p:cNvSpPr/>
+          <p:nvPr/>
+        </p:nvSpPr>
+        <p:spPr>
+          <a:xfrm>
+            <a:off x="10351390" y="2225186"/>
+            <a:ext cx="45719" cy="45719"/>
+          </a:xfrm>
+          <a:prstGeom prst="ellipse">
+            <a:avLst/>
+          </a:prstGeom>
+          <a:ln>
+            <a:noFill/>
+          </a:ln>
+        </p:spPr>
+        <p:style>
+          <a:lnRef idx="2">
+            <a:schemeClr val="accent1">
+              <a:shade val="15000"/>
+            </a:schemeClr>
+          </a:lnRef>
+          <a:fillRef idx="1">
+            <a:schemeClr val="accent1"/>
+          </a:fillRef>
+          <a:effectRef idx="0">
+            <a:schemeClr val="accent1"/>
+          </a:effectRef>
+          <a:fontRef idx="minor">
+            <a:schemeClr val="lt1"/>
+          </a:fontRef>
+        </p:style>
+        <p:txBody>
+          <a:bodyPr rtlCol="0" anchor="ctr"/>
+          <a:lstStyle/>
+          <a:p>
+            <a:pPr algn="ctr"/>
+            <a:endParaRPr lang="en-US"/>
+          </a:p>
+        </p:txBody>
+      </p:sp>
+      <p:sp>
+        <p:nvSpPr>
+          <p:cNvPr id="64" name="Freeform 63">
+            <a:extLst>
+              <a:ext uri="{FF2B5EF4-FFF2-40B4-BE49-F238E27FC236}">
+                <a16:creationId xmlns:a16="http://schemas.microsoft.com/office/drawing/2014/main" id="{1E1D1FEB-4757-FC7E-5F5A-7B44EB4516BC}"/>
+              </a:ext>
+            </a:extLst>
+          </p:cNvPr>
+          <p:cNvSpPr/>
+          <p:nvPr/>
+        </p:nvSpPr>
+        <p:spPr>
+          <a:xfrm>
+            <a:off x="7650374" y="1792238"/>
+            <a:ext cx="2851392" cy="483881"/>
+          </a:xfrm>
+          <a:custGeom>
+            <a:avLst/>
+            <a:gdLst>
+              <a:gd name="connsiteX0" fmla="*/ 0 w 2851392"/>
+              <a:gd name="connsiteY0" fmla="*/ 251916 h 483881"/>
+              <a:gd name="connsiteX1" fmla="*/ 80272 w 2851392"/>
+              <a:gd name="connsiteY1" fmla="*/ 39022 h 483881"/>
+              <a:gd name="connsiteX2" fmla="*/ 174504 w 2851392"/>
+              <a:gd name="connsiteY2" fmla="*/ 4121 h 483881"/>
+              <a:gd name="connsiteX3" fmla="*/ 233835 w 2851392"/>
+              <a:gd name="connsiteY3" fmla="*/ 91373 h 483881"/>
+              <a:gd name="connsiteX4" fmla="*/ 265246 w 2851392"/>
+              <a:gd name="connsiteY4" fmla="*/ 220506 h 483881"/>
+              <a:gd name="connsiteX5" fmla="*/ 338537 w 2851392"/>
+              <a:gd name="connsiteY5" fmla="*/ 356618 h 483881"/>
+              <a:gd name="connsiteX6" fmla="*/ 439750 w 2851392"/>
+              <a:gd name="connsiteY6" fmla="*/ 349638 h 483881"/>
+              <a:gd name="connsiteX7" fmla="*/ 499081 w 2851392"/>
+              <a:gd name="connsiteY7" fmla="*/ 251916 h 483881"/>
+              <a:gd name="connsiteX8" fmla="*/ 568882 w 2851392"/>
+              <a:gd name="connsiteY8" fmla="*/ 105333 h 483881"/>
+              <a:gd name="connsiteX9" fmla="*/ 711976 w 2851392"/>
+              <a:gd name="connsiteY9" fmla="*/ 101843 h 483881"/>
+              <a:gd name="connsiteX10" fmla="*/ 771307 w 2851392"/>
+              <a:gd name="connsiteY10" fmla="*/ 293797 h 483881"/>
+              <a:gd name="connsiteX11" fmla="*/ 792247 w 2851392"/>
+              <a:gd name="connsiteY11" fmla="*/ 370579 h 483881"/>
+              <a:gd name="connsiteX12" fmla="*/ 869029 w 2851392"/>
+              <a:gd name="connsiteY12" fmla="*/ 426420 h 483881"/>
+              <a:gd name="connsiteX13" fmla="*/ 924870 w 2851392"/>
+              <a:gd name="connsiteY13" fmla="*/ 422930 h 483881"/>
+              <a:gd name="connsiteX14" fmla="*/ 991182 w 2851392"/>
+              <a:gd name="connsiteY14" fmla="*/ 381049 h 483881"/>
+              <a:gd name="connsiteX15" fmla="*/ 1012122 w 2851392"/>
+              <a:gd name="connsiteY15" fmla="*/ 311247 h 483881"/>
+              <a:gd name="connsiteX16" fmla="*/ 1043533 w 2851392"/>
+              <a:gd name="connsiteY16" fmla="*/ 217015 h 483881"/>
+              <a:gd name="connsiteX17" fmla="*/ 1074943 w 2851392"/>
+              <a:gd name="connsiteY17" fmla="*/ 136744 h 483881"/>
+              <a:gd name="connsiteX18" fmla="*/ 1127295 w 2851392"/>
+              <a:gd name="connsiteY18" fmla="*/ 94863 h 483881"/>
+              <a:gd name="connsiteX19" fmla="*/ 1228507 w 2851392"/>
+              <a:gd name="connsiteY19" fmla="*/ 91373 h 483881"/>
+              <a:gd name="connsiteX20" fmla="*/ 1301798 w 2851392"/>
+              <a:gd name="connsiteY20" fmla="*/ 220506 h 483881"/>
+              <a:gd name="connsiteX21" fmla="*/ 1336699 w 2851392"/>
+              <a:gd name="connsiteY21" fmla="*/ 367089 h 483881"/>
+              <a:gd name="connsiteX22" fmla="*/ 1423951 w 2851392"/>
+              <a:gd name="connsiteY22" fmla="*/ 436890 h 483881"/>
+              <a:gd name="connsiteX23" fmla="*/ 1507713 w 2851392"/>
+              <a:gd name="connsiteY23" fmla="*/ 412460 h 483881"/>
+              <a:gd name="connsiteX24" fmla="*/ 1549594 w 2851392"/>
+              <a:gd name="connsiteY24" fmla="*/ 335678 h 483881"/>
+              <a:gd name="connsiteX25" fmla="*/ 1591475 w 2851392"/>
+              <a:gd name="connsiteY25" fmla="*/ 241446 h 483881"/>
+              <a:gd name="connsiteX26" fmla="*/ 1664766 w 2851392"/>
+              <a:gd name="connsiteY26" fmla="*/ 199565 h 483881"/>
+              <a:gd name="connsiteX27" fmla="*/ 1745038 w 2851392"/>
+              <a:gd name="connsiteY27" fmla="*/ 244936 h 483881"/>
+              <a:gd name="connsiteX28" fmla="*/ 1786919 w 2851392"/>
+              <a:gd name="connsiteY28" fmla="*/ 356618 h 483881"/>
+              <a:gd name="connsiteX29" fmla="*/ 1811350 w 2851392"/>
+              <a:gd name="connsiteY29" fmla="*/ 440380 h 483881"/>
+              <a:gd name="connsiteX30" fmla="*/ 1888131 w 2851392"/>
+              <a:gd name="connsiteY30" fmla="*/ 457831 h 483881"/>
+              <a:gd name="connsiteX31" fmla="*/ 1947463 w 2851392"/>
+              <a:gd name="connsiteY31" fmla="*/ 419440 h 483881"/>
+              <a:gd name="connsiteX32" fmla="*/ 1978873 w 2851392"/>
+              <a:gd name="connsiteY32" fmla="*/ 339168 h 483881"/>
+              <a:gd name="connsiteX33" fmla="*/ 2017264 w 2851392"/>
+              <a:gd name="connsiteY33" fmla="*/ 283327 h 483881"/>
+              <a:gd name="connsiteX34" fmla="*/ 2083576 w 2851392"/>
+              <a:gd name="connsiteY34" fmla="*/ 265877 h 483881"/>
+              <a:gd name="connsiteX35" fmla="*/ 2125456 w 2851392"/>
+              <a:gd name="connsiteY35" fmla="*/ 339168 h 483881"/>
+              <a:gd name="connsiteX36" fmla="*/ 2160357 w 2851392"/>
+              <a:gd name="connsiteY36" fmla="*/ 433400 h 483881"/>
+              <a:gd name="connsiteX37" fmla="*/ 2223179 w 2851392"/>
+              <a:gd name="connsiteY37" fmla="*/ 447360 h 483881"/>
+              <a:gd name="connsiteX38" fmla="*/ 2279020 w 2851392"/>
+              <a:gd name="connsiteY38" fmla="*/ 415950 h 483881"/>
+              <a:gd name="connsiteX39" fmla="*/ 2313921 w 2851392"/>
+              <a:gd name="connsiteY39" fmla="*/ 360109 h 483881"/>
+              <a:gd name="connsiteX40" fmla="*/ 2369762 w 2851392"/>
+              <a:gd name="connsiteY40" fmla="*/ 332188 h 483881"/>
+              <a:gd name="connsiteX41" fmla="*/ 2418623 w 2851392"/>
+              <a:gd name="connsiteY41" fmla="*/ 342658 h 483881"/>
+              <a:gd name="connsiteX42" fmla="*/ 2443053 w 2851392"/>
+              <a:gd name="connsiteY42" fmla="*/ 391519 h 483881"/>
+              <a:gd name="connsiteX43" fmla="*/ 2467484 w 2851392"/>
+              <a:gd name="connsiteY43" fmla="*/ 436890 h 483881"/>
+              <a:gd name="connsiteX44" fmla="*/ 2516345 w 2851392"/>
+              <a:gd name="connsiteY44" fmla="*/ 454341 h 483881"/>
+              <a:gd name="connsiteX45" fmla="*/ 2540776 w 2851392"/>
+              <a:gd name="connsiteY45" fmla="*/ 450851 h 483881"/>
+              <a:gd name="connsiteX46" fmla="*/ 2565206 w 2851392"/>
+              <a:gd name="connsiteY46" fmla="*/ 429910 h 483881"/>
+              <a:gd name="connsiteX47" fmla="*/ 2596617 w 2851392"/>
+              <a:gd name="connsiteY47" fmla="*/ 405480 h 483881"/>
+              <a:gd name="connsiteX48" fmla="*/ 2662928 w 2851392"/>
+              <a:gd name="connsiteY48" fmla="*/ 401989 h 483881"/>
+              <a:gd name="connsiteX49" fmla="*/ 2697829 w 2851392"/>
+              <a:gd name="connsiteY49" fmla="*/ 440380 h 483881"/>
+              <a:gd name="connsiteX50" fmla="*/ 2725750 w 2851392"/>
+              <a:gd name="connsiteY50" fmla="*/ 475281 h 483881"/>
+              <a:gd name="connsiteX51" fmla="*/ 2802531 w 2851392"/>
+              <a:gd name="connsiteY51" fmla="*/ 482261 h 483881"/>
+              <a:gd name="connsiteX52" fmla="*/ 2851392 w 2851392"/>
+              <a:gd name="connsiteY52" fmla="*/ 450851 h 483881"/>
+            </a:gdLst>
+            <a:ahLst/>
+            <a:cxnLst>
+              <a:cxn ang="0">
+                <a:pos x="connsiteX0" y="connsiteY0"/>
+              </a:cxn>
+              <a:cxn ang="0">
+                <a:pos x="connsiteX1" y="connsiteY1"/>
+              </a:cxn>
+              <a:cxn ang="0">
+                <a:pos x="connsiteX2" y="connsiteY2"/>
+              </a:cxn>
+              <a:cxn ang="0">
+                <a:pos x="connsiteX3" y="connsiteY3"/>
+              </a:cxn>
+              <a:cxn ang="0">
+                <a:pos x="connsiteX4" y="connsiteY4"/>
+              </a:cxn>
+              <a:cxn ang="0">
+                <a:pos x="connsiteX5" y="connsiteY5"/>
+              </a:cxn>
+              <a:cxn ang="0">
+                <a:pos x="connsiteX6" y="connsiteY6"/>
+              </a:cxn>
+              <a:cxn ang="0">
+                <a:pos x="connsiteX7" y="connsiteY7"/>
+              </a:cxn>
+              <a:cxn ang="0">
+                <a:pos x="connsiteX8" y="connsiteY8"/>
+              </a:cxn>
+              <a:cxn ang="0">
+                <a:pos x="connsiteX9" y="connsiteY9"/>
+              </a:cxn>
+              <a:cxn ang="0">
+                <a:pos x="connsiteX10" y="connsiteY10"/>
+              </a:cxn>
+              <a:cxn ang="0">
+                <a:pos x="connsiteX11" y="connsiteY11"/>
+              </a:cxn>
+              <a:cxn ang="0">
+                <a:pos x="connsiteX12" y="connsiteY12"/>
+              </a:cxn>
+              <a:cxn ang="0">
+                <a:pos x="connsiteX13" y="connsiteY13"/>
+              </a:cxn>
+              <a:cxn ang="0">
+                <a:pos x="connsiteX14" y="connsiteY14"/>
+              </a:cxn>
+              <a:cxn ang="0">
+                <a:pos x="connsiteX15" y="connsiteY15"/>
+              </a:cxn>
+              <a:cxn ang="0">
+                <a:pos x="connsiteX16" y="connsiteY16"/>
+              </a:cxn>
+              <a:cxn ang="0">
+                <a:pos x="connsiteX17" y="connsiteY17"/>
+              </a:cxn>
+              <a:cxn ang="0">
+                <a:pos x="connsiteX18" y="connsiteY18"/>
+              </a:cxn>
+              <a:cxn ang="0">
+                <a:pos x="connsiteX19" y="connsiteY19"/>
+              </a:cxn>
+              <a:cxn ang="0">
+                <a:pos x="connsiteX20" y="connsiteY20"/>
+              </a:cxn>
+              <a:cxn ang="0">
+                <a:pos x="connsiteX21" y="connsiteY21"/>
+              </a:cxn>
+              <a:cxn ang="0">
+                <a:pos x="connsiteX22" y="connsiteY22"/>
+              </a:cxn>
+              <a:cxn ang="0">
+                <a:pos x="connsiteX23" y="connsiteY23"/>
+              </a:cxn>
+              <a:cxn ang="0">
+                <a:pos x="connsiteX24" y="connsiteY24"/>
+              </a:cxn>
+              <a:cxn ang="0">
+                <a:pos x="connsiteX25" y="connsiteY25"/>
+              </a:cxn>
+              <a:cxn ang="0">
+                <a:pos x="connsiteX26" y="connsiteY26"/>
+              </a:cxn>
+              <a:cxn ang="0">
+                <a:pos x="connsiteX27" y="connsiteY27"/>
+              </a:cxn>
+              <a:cxn ang="0">
+                <a:pos x="connsiteX28" y="connsiteY28"/>
+              </a:cxn>
+              <a:cxn ang="0">
+                <a:pos x="connsiteX29" y="connsiteY29"/>
+              </a:cxn>
+              <a:cxn ang="0">
+                <a:pos x="connsiteX30" y="connsiteY30"/>
+              </a:cxn>
+              <a:cxn ang="0">
+                <a:pos x="connsiteX31" y="connsiteY31"/>
+              </a:cxn>
+              <a:cxn ang="0">
+                <a:pos x="connsiteX32" y="connsiteY32"/>
+              </a:cxn>
+              <a:cxn ang="0">
+                <a:pos x="connsiteX33" y="connsiteY33"/>
+              </a:cxn>
+              <a:cxn ang="0">
+                <a:pos x="connsiteX34" y="connsiteY34"/>
+              </a:cxn>
+              <a:cxn ang="0">
+                <a:pos x="connsiteX35" y="connsiteY35"/>
+              </a:cxn>
+              <a:cxn ang="0">
+                <a:pos x="connsiteX36" y="connsiteY36"/>
+              </a:cxn>
+              <a:cxn ang="0">
+                <a:pos x="connsiteX37" y="connsiteY37"/>
+              </a:cxn>
+              <a:cxn ang="0">
+                <a:pos x="connsiteX38" y="connsiteY38"/>
+              </a:cxn>
+              <a:cxn ang="0">
+                <a:pos x="connsiteX39" y="connsiteY39"/>
+              </a:cxn>
+              <a:cxn ang="0">
+                <a:pos x="connsiteX40" y="connsiteY40"/>
+              </a:cxn>
+              <a:cxn ang="0">
+                <a:pos x="connsiteX41" y="connsiteY41"/>
+              </a:cxn>
+              <a:cxn ang="0">
+                <a:pos x="connsiteX42" y="connsiteY42"/>
+              </a:cxn>
+              <a:cxn ang="0">
+                <a:pos x="connsiteX43" y="connsiteY43"/>
+              </a:cxn>
+              <a:cxn ang="0">
+                <a:pos x="connsiteX44" y="connsiteY44"/>
+              </a:cxn>
+              <a:cxn ang="0">
+                <a:pos x="connsiteX45" y="connsiteY45"/>
+              </a:cxn>
+              <a:cxn ang="0">
+                <a:pos x="connsiteX46" y="connsiteY46"/>
+              </a:cxn>
+              <a:cxn ang="0">
+                <a:pos x="connsiteX47" y="connsiteY47"/>
+              </a:cxn>
+              <a:cxn ang="0">
+                <a:pos x="connsiteX48" y="connsiteY48"/>
+              </a:cxn>
+              <a:cxn ang="0">
+                <a:pos x="connsiteX49" y="connsiteY49"/>
+              </a:cxn>
+              <a:cxn ang="0">
+                <a:pos x="connsiteX50" y="connsiteY50"/>
+              </a:cxn>
+              <a:cxn ang="0">
+                <a:pos x="connsiteX51" y="connsiteY51"/>
+              </a:cxn>
+              <a:cxn ang="0">
+                <a:pos x="connsiteX52" y="connsiteY52"/>
+              </a:cxn>
+            </a:cxnLst>
+            <a:rect l="l" t="t" r="r" b="b"/>
+            <a:pathLst>
+              <a:path w="2851392" h="483881">
+                <a:moveTo>
+                  <a:pt x="0" y="251916"/>
+                </a:moveTo>
+                <a:cubicBezTo>
+                  <a:pt x="25594" y="166118"/>
+                  <a:pt x="51188" y="80321"/>
+                  <a:pt x="80272" y="39022"/>
+                </a:cubicBezTo>
+                <a:cubicBezTo>
+                  <a:pt x="109356" y="-2277"/>
+                  <a:pt x="148910" y="-4604"/>
+                  <a:pt x="174504" y="4121"/>
+                </a:cubicBezTo>
+                <a:cubicBezTo>
+                  <a:pt x="200098" y="12846"/>
+                  <a:pt x="218711" y="55309"/>
+                  <a:pt x="233835" y="91373"/>
+                </a:cubicBezTo>
+                <a:cubicBezTo>
+                  <a:pt x="248959" y="127437"/>
+                  <a:pt x="247796" y="176299"/>
+                  <a:pt x="265246" y="220506"/>
+                </a:cubicBezTo>
+                <a:cubicBezTo>
+                  <a:pt x="282696" y="264713"/>
+                  <a:pt x="309453" y="335096"/>
+                  <a:pt x="338537" y="356618"/>
+                </a:cubicBezTo>
+                <a:cubicBezTo>
+                  <a:pt x="367621" y="378140"/>
+                  <a:pt x="412993" y="367088"/>
+                  <a:pt x="439750" y="349638"/>
+                </a:cubicBezTo>
+                <a:cubicBezTo>
+                  <a:pt x="466507" y="332188"/>
+                  <a:pt x="477559" y="292633"/>
+                  <a:pt x="499081" y="251916"/>
+                </a:cubicBezTo>
+                <a:cubicBezTo>
+                  <a:pt x="520603" y="211199"/>
+                  <a:pt x="533400" y="130345"/>
+                  <a:pt x="568882" y="105333"/>
+                </a:cubicBezTo>
+                <a:cubicBezTo>
+                  <a:pt x="604365" y="80321"/>
+                  <a:pt x="678239" y="70432"/>
+                  <a:pt x="711976" y="101843"/>
+                </a:cubicBezTo>
+                <a:cubicBezTo>
+                  <a:pt x="745714" y="133254"/>
+                  <a:pt x="757929" y="249008"/>
+                  <a:pt x="771307" y="293797"/>
+                </a:cubicBezTo>
+                <a:cubicBezTo>
+                  <a:pt x="784686" y="338586"/>
+                  <a:pt x="775960" y="348475"/>
+                  <a:pt x="792247" y="370579"/>
+                </a:cubicBezTo>
+                <a:cubicBezTo>
+                  <a:pt x="808534" y="392683"/>
+                  <a:pt x="846925" y="417695"/>
+                  <a:pt x="869029" y="426420"/>
+                </a:cubicBezTo>
+                <a:cubicBezTo>
+                  <a:pt x="891133" y="435145"/>
+                  <a:pt x="904511" y="430492"/>
+                  <a:pt x="924870" y="422930"/>
+                </a:cubicBezTo>
+                <a:cubicBezTo>
+                  <a:pt x="945229" y="415368"/>
+                  <a:pt x="976640" y="399663"/>
+                  <a:pt x="991182" y="381049"/>
+                </a:cubicBezTo>
+                <a:cubicBezTo>
+                  <a:pt x="1005724" y="362435"/>
+                  <a:pt x="1003397" y="338586"/>
+                  <a:pt x="1012122" y="311247"/>
+                </a:cubicBezTo>
+                <a:cubicBezTo>
+                  <a:pt x="1020847" y="283908"/>
+                  <a:pt x="1033063" y="246099"/>
+                  <a:pt x="1043533" y="217015"/>
+                </a:cubicBezTo>
+                <a:cubicBezTo>
+                  <a:pt x="1054003" y="187931"/>
+                  <a:pt x="1060983" y="157103"/>
+                  <a:pt x="1074943" y="136744"/>
+                </a:cubicBezTo>
+                <a:cubicBezTo>
+                  <a:pt x="1088903" y="116385"/>
+                  <a:pt x="1101701" y="102425"/>
+                  <a:pt x="1127295" y="94863"/>
+                </a:cubicBezTo>
+                <a:cubicBezTo>
+                  <a:pt x="1152889" y="87301"/>
+                  <a:pt x="1199423" y="70432"/>
+                  <a:pt x="1228507" y="91373"/>
+                </a:cubicBezTo>
+                <a:cubicBezTo>
+                  <a:pt x="1257591" y="112313"/>
+                  <a:pt x="1283766" y="174553"/>
+                  <a:pt x="1301798" y="220506"/>
+                </a:cubicBezTo>
+                <a:cubicBezTo>
+                  <a:pt x="1319830" y="266459"/>
+                  <a:pt x="1316340" y="331025"/>
+                  <a:pt x="1336699" y="367089"/>
+                </a:cubicBezTo>
+                <a:cubicBezTo>
+                  <a:pt x="1357058" y="403153"/>
+                  <a:pt x="1395449" y="429328"/>
+                  <a:pt x="1423951" y="436890"/>
+                </a:cubicBezTo>
+                <a:cubicBezTo>
+                  <a:pt x="1452453" y="444452"/>
+                  <a:pt x="1486773" y="429329"/>
+                  <a:pt x="1507713" y="412460"/>
+                </a:cubicBezTo>
+                <a:cubicBezTo>
+                  <a:pt x="1528654" y="395591"/>
+                  <a:pt x="1535634" y="364180"/>
+                  <a:pt x="1549594" y="335678"/>
+                </a:cubicBezTo>
+                <a:cubicBezTo>
+                  <a:pt x="1563554" y="307176"/>
+                  <a:pt x="1572280" y="264132"/>
+                  <a:pt x="1591475" y="241446"/>
+                </a:cubicBezTo>
+                <a:cubicBezTo>
+                  <a:pt x="1610670" y="218760"/>
+                  <a:pt x="1639172" y="198983"/>
+                  <a:pt x="1664766" y="199565"/>
+                </a:cubicBezTo>
+                <a:cubicBezTo>
+                  <a:pt x="1690360" y="200147"/>
+                  <a:pt x="1724679" y="218761"/>
+                  <a:pt x="1745038" y="244936"/>
+                </a:cubicBezTo>
+                <a:cubicBezTo>
+                  <a:pt x="1765397" y="271111"/>
+                  <a:pt x="1775867" y="324044"/>
+                  <a:pt x="1786919" y="356618"/>
+                </a:cubicBezTo>
+                <a:cubicBezTo>
+                  <a:pt x="1797971" y="389192"/>
+                  <a:pt x="1794481" y="423511"/>
+                  <a:pt x="1811350" y="440380"/>
+                </a:cubicBezTo>
+                <a:cubicBezTo>
+                  <a:pt x="1828219" y="457249"/>
+                  <a:pt x="1865446" y="461321"/>
+                  <a:pt x="1888131" y="457831"/>
+                </a:cubicBezTo>
+                <a:cubicBezTo>
+                  <a:pt x="1910817" y="454341"/>
+                  <a:pt x="1932339" y="439217"/>
+                  <a:pt x="1947463" y="419440"/>
+                </a:cubicBezTo>
+                <a:cubicBezTo>
+                  <a:pt x="1962587" y="399663"/>
+                  <a:pt x="1967240" y="361854"/>
+                  <a:pt x="1978873" y="339168"/>
+                </a:cubicBezTo>
+                <a:cubicBezTo>
+                  <a:pt x="1990507" y="316483"/>
+                  <a:pt x="1999814" y="295542"/>
+                  <a:pt x="2017264" y="283327"/>
+                </a:cubicBezTo>
+                <a:cubicBezTo>
+                  <a:pt x="2034715" y="271112"/>
+                  <a:pt x="2065544" y="256570"/>
+                  <a:pt x="2083576" y="265877"/>
+                </a:cubicBezTo>
+                <a:cubicBezTo>
+                  <a:pt x="2101608" y="275184"/>
+                  <a:pt x="2112659" y="311248"/>
+                  <a:pt x="2125456" y="339168"/>
+                </a:cubicBezTo>
+                <a:cubicBezTo>
+                  <a:pt x="2138253" y="367088"/>
+                  <a:pt x="2144070" y="415368"/>
+                  <a:pt x="2160357" y="433400"/>
+                </a:cubicBezTo>
+                <a:cubicBezTo>
+                  <a:pt x="2176644" y="451432"/>
+                  <a:pt x="2203402" y="450268"/>
+                  <a:pt x="2223179" y="447360"/>
+                </a:cubicBezTo>
+                <a:cubicBezTo>
+                  <a:pt x="2242956" y="444452"/>
+                  <a:pt x="2263896" y="430492"/>
+                  <a:pt x="2279020" y="415950"/>
+                </a:cubicBezTo>
+                <a:cubicBezTo>
+                  <a:pt x="2294144" y="401408"/>
+                  <a:pt x="2298797" y="374069"/>
+                  <a:pt x="2313921" y="360109"/>
+                </a:cubicBezTo>
+                <a:cubicBezTo>
+                  <a:pt x="2329045" y="346149"/>
+                  <a:pt x="2352312" y="335096"/>
+                  <a:pt x="2369762" y="332188"/>
+                </a:cubicBezTo>
+                <a:cubicBezTo>
+                  <a:pt x="2387212" y="329280"/>
+                  <a:pt x="2406408" y="332770"/>
+                  <a:pt x="2418623" y="342658"/>
+                </a:cubicBezTo>
+                <a:cubicBezTo>
+                  <a:pt x="2430838" y="352546"/>
+                  <a:pt x="2434910" y="375814"/>
+                  <a:pt x="2443053" y="391519"/>
+                </a:cubicBezTo>
+                <a:cubicBezTo>
+                  <a:pt x="2451196" y="407224"/>
+                  <a:pt x="2455269" y="426420"/>
+                  <a:pt x="2467484" y="436890"/>
+                </a:cubicBezTo>
+                <a:cubicBezTo>
+                  <a:pt x="2479699" y="447360"/>
+                  <a:pt x="2504130" y="452014"/>
+                  <a:pt x="2516345" y="454341"/>
+                </a:cubicBezTo>
+                <a:cubicBezTo>
+                  <a:pt x="2528560" y="456668"/>
+                  <a:pt x="2532633" y="454923"/>
+                  <a:pt x="2540776" y="450851"/>
+                </a:cubicBezTo>
+                <a:cubicBezTo>
+                  <a:pt x="2548920" y="446779"/>
+                  <a:pt x="2555899" y="437472"/>
+                  <a:pt x="2565206" y="429910"/>
+                </a:cubicBezTo>
+                <a:cubicBezTo>
+                  <a:pt x="2574513" y="422348"/>
+                  <a:pt x="2580330" y="410133"/>
+                  <a:pt x="2596617" y="405480"/>
+                </a:cubicBezTo>
+                <a:cubicBezTo>
+                  <a:pt x="2612904" y="400827"/>
+                  <a:pt x="2646059" y="396172"/>
+                  <a:pt x="2662928" y="401989"/>
+                </a:cubicBezTo>
+                <a:cubicBezTo>
+                  <a:pt x="2679797" y="407806"/>
+                  <a:pt x="2687359" y="428165"/>
+                  <a:pt x="2697829" y="440380"/>
+                </a:cubicBezTo>
+                <a:cubicBezTo>
+                  <a:pt x="2708299" y="452595"/>
+                  <a:pt x="2708300" y="468301"/>
+                  <a:pt x="2725750" y="475281"/>
+                </a:cubicBezTo>
+                <a:cubicBezTo>
+                  <a:pt x="2743200" y="482261"/>
+                  <a:pt x="2781591" y="486333"/>
+                  <a:pt x="2802531" y="482261"/>
+                </a:cubicBezTo>
+                <a:cubicBezTo>
+                  <a:pt x="2823471" y="478189"/>
+                  <a:pt x="2837431" y="464520"/>
+                  <a:pt x="2851392" y="450851"/>
+                </a:cubicBezTo>
+              </a:path>
+            </a:pathLst>
+          </a:custGeom>
+          <a:noFill/>
+          <a:ln w="9525">
+            <a:prstDash val="dash"/>
+          </a:ln>
+        </p:spPr>
+        <p:style>
+          <a:lnRef idx="2">
+            <a:schemeClr val="accent1">
+              <a:shade val="15000"/>
+            </a:schemeClr>
+          </a:lnRef>
+          <a:fillRef idx="1">
+            <a:schemeClr val="accent1"/>
+          </a:fillRef>
+          <a:effectRef idx="0">
+            <a:schemeClr val="accent1"/>
+          </a:effectRef>
+          <a:fontRef idx="minor">
+            <a:schemeClr val="lt1"/>
+          </a:fontRef>
+        </p:style>
+        <p:txBody>
+          <a:bodyPr rtlCol="0" anchor="ctr"/>
+          <a:lstStyle/>
+          <a:p>
+            <a:pPr algn="ctr"/>
+            <a:endParaRPr lang="en-US"/>
+          </a:p>
+        </p:txBody>
+      </p:sp>
+      <p:cxnSp>
+        <p:nvCxnSpPr>
+          <p:cNvPr id="66" name="Straight Connector 65">
+            <a:extLst>
+              <a:ext uri="{FF2B5EF4-FFF2-40B4-BE49-F238E27FC236}">
+                <a16:creationId xmlns:a16="http://schemas.microsoft.com/office/drawing/2014/main" id="{87F2FA63-F644-6D7F-2331-76B93323386A}"/>
+              </a:ext>
+            </a:extLst>
+          </p:cNvPr>
+          <p:cNvCxnSpPr/>
+          <p:nvPr/>
+        </p:nvCxnSpPr>
+        <p:spPr>
+          <a:xfrm>
+            <a:off x="7650374" y="1756260"/>
+            <a:ext cx="0" cy="537711"/>
+          </a:xfrm>
+          <a:prstGeom prst="line">
+            <a:avLst/>
+          </a:prstGeom>
+        </p:spPr>
+        <p:style>
+          <a:lnRef idx="1">
+            <a:schemeClr val="accent1"/>
+          </a:lnRef>
+          <a:fillRef idx="0">
+            <a:schemeClr val="accent1"/>
+          </a:fillRef>
+          <a:effectRef idx="0">
+            <a:schemeClr val="accent1"/>
+          </a:effectRef>
+          <a:fontRef idx="minor">
+            <a:schemeClr val="tx1"/>
+          </a:fontRef>
+        </p:style>
+      </p:cxnSp>
+      <p:cxnSp>
+        <p:nvCxnSpPr>
+          <p:cNvPr id="68" name="Straight Connector 67">
+            <a:extLst>
+              <a:ext uri="{FF2B5EF4-FFF2-40B4-BE49-F238E27FC236}">
+                <a16:creationId xmlns:a16="http://schemas.microsoft.com/office/drawing/2014/main" id="{B5AA8B08-03F6-B73A-FF57-BAE238B011D5}"/>
+              </a:ext>
+            </a:extLst>
+          </p:cNvPr>
+          <p:cNvCxnSpPr/>
+          <p:nvPr/>
+        </p:nvCxnSpPr>
+        <p:spPr>
+          <a:xfrm>
+            <a:off x="7795862" y="1720850"/>
+            <a:ext cx="0" cy="174867"/>
+          </a:xfrm>
+          <a:prstGeom prst="line">
+            <a:avLst/>
+          </a:prstGeom>
+          <a:ln>
+            <a:prstDash val="sysDot"/>
+          </a:ln>
+        </p:spPr>
+        <p:style>
+          <a:lnRef idx="1">
+            <a:schemeClr val="accent1"/>
+          </a:lnRef>
+          <a:fillRef idx="0">
+            <a:schemeClr val="accent1"/>
+          </a:fillRef>
+          <a:effectRef idx="0">
+            <a:schemeClr val="accent1"/>
+          </a:effectRef>
+          <a:fontRef idx="minor">
+            <a:schemeClr val="tx1"/>
+          </a:fontRef>
+        </p:style>
+      </p:cxnSp>
+      <p:cxnSp>
+        <p:nvCxnSpPr>
+          <p:cNvPr id="70" name="Straight Connector 69">
+            <a:extLst>
+              <a:ext uri="{FF2B5EF4-FFF2-40B4-BE49-F238E27FC236}">
+                <a16:creationId xmlns:a16="http://schemas.microsoft.com/office/drawing/2014/main" id="{F10FD781-EEC9-7E57-0D50-11A7B84CA3E6}"/>
+              </a:ext>
+            </a:extLst>
+          </p:cNvPr>
+          <p:cNvCxnSpPr/>
+          <p:nvPr/>
+        </p:nvCxnSpPr>
+        <p:spPr>
+          <a:xfrm>
+            <a:off x="7724383" y="1692275"/>
+            <a:ext cx="0" cy="332840"/>
+          </a:xfrm>
+          <a:prstGeom prst="line">
+            <a:avLst/>
+          </a:prstGeom>
+          <a:ln>
+            <a:prstDash val="sysDot"/>
+          </a:ln>
+        </p:spPr>
+        <p:style>
+          <a:lnRef idx="1">
+            <a:schemeClr val="accent1"/>
+          </a:lnRef>
+          <a:fillRef idx="0">
+            <a:schemeClr val="accent1"/>
+          </a:fillRef>
+          <a:effectRef idx="0">
+            <a:schemeClr val="accent1"/>
+          </a:effectRef>
+          <a:fontRef idx="minor">
+            <a:schemeClr val="tx1"/>
+          </a:fontRef>
+        </p:style>
+      </p:cxnSp>
+      <p:cxnSp>
+        <p:nvCxnSpPr>
+          <p:cNvPr id="72" name="Straight Connector 71">
+            <a:extLst>
+              <a:ext uri="{FF2B5EF4-FFF2-40B4-BE49-F238E27FC236}">
+                <a16:creationId xmlns:a16="http://schemas.microsoft.com/office/drawing/2014/main" id="{CE0CE021-C7E5-3F21-FCDB-71FFBFF63E9F}"/>
+              </a:ext>
+            </a:extLst>
+          </p:cNvPr>
+          <p:cNvCxnSpPr/>
+          <p:nvPr/>
+        </p:nvCxnSpPr>
+        <p:spPr>
+          <a:xfrm>
+            <a:off x="7873608" y="1726665"/>
+            <a:ext cx="0" cy="298450"/>
+          </a:xfrm>
+          <a:prstGeom prst="line">
+            <a:avLst/>
+          </a:prstGeom>
+          <a:ln>
+            <a:prstDash val="sysDot"/>
+          </a:ln>
+        </p:spPr>
+        <p:style>
+          <a:lnRef idx="1">
+            <a:schemeClr val="accent1"/>
+          </a:lnRef>
+          <a:fillRef idx="0">
+            <a:schemeClr val="accent1"/>
+          </a:fillRef>
+          <a:effectRef idx="0">
+            <a:schemeClr val="accent1"/>
+          </a:effectRef>
+          <a:fontRef idx="minor">
+            <a:schemeClr val="tx1"/>
+          </a:fontRef>
+        </p:style>
+      </p:cxnSp>
     </p:spTree>
     <p:extLst>
       <p:ext uri="{BB962C8B-B14F-4D97-AF65-F5344CB8AC3E}">
